--- a/WebApi_선생님꺼/Day46/server설명.pptx
+++ b/WebApi_선생님꺼/Day46/server설명.pptx
@@ -106,6 +106,11 @@
       </a:defRPr>
     </a:lvl9pPr>
   </p:defaultTextStyle>
+  <p:extLst>
+    <p:ext uri="{EFAFB233-063F-42B5-8137-9DF3F51BA10A}">
+      <p15:sldGuideLst xmlns:p15="http://schemas.microsoft.com/office/powerpoint/2012/main"/>
+    </p:ext>
+  </p:extLst>
 </p:presentation>
 </file>
 
@@ -151,10 +156,9 @@
           </a:lstStyle>
           <a:p>
             <a:r>
-              <a:rPr lang="ko-KR" altLang="en-US" smtClean="0"/>
+              <a:rPr lang="ko-KR" altLang="en-US"/>
               <a:t>마스터 제목 스타일 편집</a:t>
             </a:r>
-            <a:endParaRPr lang="ko-KR" altLang="en-US"/>
           </a:p>
         </p:txBody>
       </p:sp>
@@ -216,10 +220,9 @@
           </a:lstStyle>
           <a:p>
             <a:r>
-              <a:rPr lang="ko-KR" altLang="en-US" smtClean="0"/>
+              <a:rPr lang="ko-KR" altLang="en-US"/>
               <a:t>클릭하여 마스터 부제목 스타일 편집</a:t>
             </a:r>
-            <a:endParaRPr lang="ko-KR" altLang="en-US"/>
           </a:p>
         </p:txBody>
       </p:sp>
@@ -240,7 +243,7 @@
           <a:p>
             <a:fld id="{CB0EED9A-EBED-423C-B75F-8ED474AEA454}" type="datetimeFigureOut">
               <a:rPr lang="ko-KR" altLang="en-US" smtClean="0"/>
-              <a:t>2024-06-24</a:t>
+              <a:t>06-26(Wed)</a:t>
             </a:fld>
             <a:endParaRPr lang="ko-KR" altLang="en-US"/>
           </a:p>
@@ -334,10 +337,9 @@
           <a:lstStyle/>
           <a:p>
             <a:r>
-              <a:rPr lang="ko-KR" altLang="en-US" smtClean="0"/>
+              <a:rPr lang="ko-KR" altLang="en-US"/>
               <a:t>마스터 제목 스타일 편집</a:t>
             </a:r>
-            <a:endParaRPr lang="ko-KR" altLang="en-US"/>
           </a:p>
         </p:txBody>
       </p:sp>
@@ -358,38 +360,37 @@
           <a:p>
             <a:pPr lvl="0"/>
             <a:r>
-              <a:rPr lang="ko-KR" altLang="en-US" smtClean="0"/>
+              <a:rPr lang="ko-KR" altLang="en-US"/>
               <a:t>마스터 텍스트 스타일 편집</a:t>
             </a:r>
           </a:p>
           <a:p>
             <a:pPr lvl="1"/>
             <a:r>
-              <a:rPr lang="ko-KR" altLang="en-US" smtClean="0"/>
+              <a:rPr lang="ko-KR" altLang="en-US"/>
               <a:t>둘째 수준</a:t>
             </a:r>
           </a:p>
           <a:p>
             <a:pPr lvl="2"/>
             <a:r>
-              <a:rPr lang="ko-KR" altLang="en-US" smtClean="0"/>
+              <a:rPr lang="ko-KR" altLang="en-US"/>
               <a:t>셋째 수준</a:t>
             </a:r>
           </a:p>
           <a:p>
             <a:pPr lvl="3"/>
             <a:r>
-              <a:rPr lang="ko-KR" altLang="en-US" smtClean="0"/>
+              <a:rPr lang="ko-KR" altLang="en-US"/>
               <a:t>넷째 수준</a:t>
             </a:r>
           </a:p>
           <a:p>
             <a:pPr lvl="4"/>
             <a:r>
-              <a:rPr lang="ko-KR" altLang="en-US" smtClean="0"/>
+              <a:rPr lang="ko-KR" altLang="en-US"/>
               <a:t>다섯째 수준</a:t>
             </a:r>
-            <a:endParaRPr lang="ko-KR" altLang="en-US"/>
           </a:p>
         </p:txBody>
       </p:sp>
@@ -410,7 +411,7 @@
           <a:p>
             <a:fld id="{CB0EED9A-EBED-423C-B75F-8ED474AEA454}" type="datetimeFigureOut">
               <a:rPr lang="ko-KR" altLang="en-US" smtClean="0"/>
-              <a:t>2024-06-24</a:t>
+              <a:t>06-26(Wed)</a:t>
             </a:fld>
             <a:endParaRPr lang="ko-KR" altLang="en-US"/>
           </a:p>
@@ -509,10 +510,9 @@
           <a:lstStyle/>
           <a:p>
             <a:r>
-              <a:rPr lang="ko-KR" altLang="en-US" smtClean="0"/>
+              <a:rPr lang="ko-KR" altLang="en-US"/>
               <a:t>마스터 제목 스타일 편집</a:t>
             </a:r>
-            <a:endParaRPr lang="ko-KR" altLang="en-US"/>
           </a:p>
         </p:txBody>
       </p:sp>
@@ -538,38 +538,37 @@
           <a:p>
             <a:pPr lvl="0"/>
             <a:r>
-              <a:rPr lang="ko-KR" altLang="en-US" smtClean="0"/>
+              <a:rPr lang="ko-KR" altLang="en-US"/>
               <a:t>마스터 텍스트 스타일 편집</a:t>
             </a:r>
           </a:p>
           <a:p>
             <a:pPr lvl="1"/>
             <a:r>
-              <a:rPr lang="ko-KR" altLang="en-US" smtClean="0"/>
+              <a:rPr lang="ko-KR" altLang="en-US"/>
               <a:t>둘째 수준</a:t>
             </a:r>
           </a:p>
           <a:p>
             <a:pPr lvl="2"/>
             <a:r>
-              <a:rPr lang="ko-KR" altLang="en-US" smtClean="0"/>
+              <a:rPr lang="ko-KR" altLang="en-US"/>
               <a:t>셋째 수준</a:t>
             </a:r>
           </a:p>
           <a:p>
             <a:pPr lvl="3"/>
             <a:r>
-              <a:rPr lang="ko-KR" altLang="en-US" smtClean="0"/>
+              <a:rPr lang="ko-KR" altLang="en-US"/>
               <a:t>넷째 수준</a:t>
             </a:r>
           </a:p>
           <a:p>
             <a:pPr lvl="4"/>
             <a:r>
-              <a:rPr lang="ko-KR" altLang="en-US" smtClean="0"/>
+              <a:rPr lang="ko-KR" altLang="en-US"/>
               <a:t>다섯째 수준</a:t>
             </a:r>
-            <a:endParaRPr lang="ko-KR" altLang="en-US"/>
           </a:p>
         </p:txBody>
       </p:sp>
@@ -590,7 +589,7 @@
           <a:p>
             <a:fld id="{CB0EED9A-EBED-423C-B75F-8ED474AEA454}" type="datetimeFigureOut">
               <a:rPr lang="ko-KR" altLang="en-US" smtClean="0"/>
-              <a:t>2024-06-24</a:t>
+              <a:t>06-26(Wed)</a:t>
             </a:fld>
             <a:endParaRPr lang="ko-KR" altLang="en-US"/>
           </a:p>
@@ -684,10 +683,9 @@
           <a:lstStyle/>
           <a:p>
             <a:r>
-              <a:rPr lang="ko-KR" altLang="en-US" smtClean="0"/>
+              <a:rPr lang="ko-KR" altLang="en-US"/>
               <a:t>마스터 제목 스타일 편집</a:t>
             </a:r>
-            <a:endParaRPr lang="ko-KR" altLang="en-US"/>
           </a:p>
         </p:txBody>
       </p:sp>
@@ -708,38 +706,37 @@
           <a:p>
             <a:pPr lvl="0"/>
             <a:r>
-              <a:rPr lang="ko-KR" altLang="en-US" smtClean="0"/>
+              <a:rPr lang="ko-KR" altLang="en-US"/>
               <a:t>마스터 텍스트 스타일 편집</a:t>
             </a:r>
           </a:p>
           <a:p>
             <a:pPr lvl="1"/>
             <a:r>
-              <a:rPr lang="ko-KR" altLang="en-US" smtClean="0"/>
+              <a:rPr lang="ko-KR" altLang="en-US"/>
               <a:t>둘째 수준</a:t>
             </a:r>
           </a:p>
           <a:p>
             <a:pPr lvl="2"/>
             <a:r>
-              <a:rPr lang="ko-KR" altLang="en-US" smtClean="0"/>
+              <a:rPr lang="ko-KR" altLang="en-US"/>
               <a:t>셋째 수준</a:t>
             </a:r>
           </a:p>
           <a:p>
             <a:pPr lvl="3"/>
             <a:r>
-              <a:rPr lang="ko-KR" altLang="en-US" smtClean="0"/>
+              <a:rPr lang="ko-KR" altLang="en-US"/>
               <a:t>넷째 수준</a:t>
             </a:r>
           </a:p>
           <a:p>
             <a:pPr lvl="4"/>
             <a:r>
-              <a:rPr lang="ko-KR" altLang="en-US" smtClean="0"/>
+              <a:rPr lang="ko-KR" altLang="en-US"/>
               <a:t>다섯째 수준</a:t>
             </a:r>
-            <a:endParaRPr lang="ko-KR" altLang="en-US"/>
           </a:p>
         </p:txBody>
       </p:sp>
@@ -760,7 +757,7 @@
           <a:p>
             <a:fld id="{CB0EED9A-EBED-423C-B75F-8ED474AEA454}" type="datetimeFigureOut">
               <a:rPr lang="ko-KR" altLang="en-US" smtClean="0"/>
-              <a:t>2024-06-24</a:t>
+              <a:t>06-26(Wed)</a:t>
             </a:fld>
             <a:endParaRPr lang="ko-KR" altLang="en-US"/>
           </a:p>
@@ -863,10 +860,9 @@
           </a:lstStyle>
           <a:p>
             <a:r>
-              <a:rPr lang="ko-KR" altLang="en-US" smtClean="0"/>
+              <a:rPr lang="ko-KR" altLang="en-US"/>
               <a:t>마스터 제목 스타일 편집</a:t>
             </a:r>
-            <a:endParaRPr lang="ko-KR" altLang="en-US"/>
           </a:p>
         </p:txBody>
       </p:sp>
@@ -983,7 +979,7 @@
           <a:p>
             <a:pPr lvl="0"/>
             <a:r>
-              <a:rPr lang="ko-KR" altLang="en-US" smtClean="0"/>
+              <a:rPr lang="ko-KR" altLang="en-US"/>
               <a:t>마스터 텍스트 스타일 편집</a:t>
             </a:r>
           </a:p>
@@ -1006,7 +1002,7 @@
           <a:p>
             <a:fld id="{CB0EED9A-EBED-423C-B75F-8ED474AEA454}" type="datetimeFigureOut">
               <a:rPr lang="ko-KR" altLang="en-US" smtClean="0"/>
-              <a:t>2024-06-24</a:t>
+              <a:t>06-26(Wed)</a:t>
             </a:fld>
             <a:endParaRPr lang="ko-KR" altLang="en-US"/>
           </a:p>
@@ -1100,10 +1096,9 @@
           <a:lstStyle/>
           <a:p>
             <a:r>
-              <a:rPr lang="ko-KR" altLang="en-US" smtClean="0"/>
+              <a:rPr lang="ko-KR" altLang="en-US"/>
               <a:t>마스터 제목 스타일 편집</a:t>
             </a:r>
-            <a:endParaRPr lang="ko-KR" altLang="en-US"/>
           </a:p>
         </p:txBody>
       </p:sp>
@@ -1129,38 +1124,37 @@
           <a:p>
             <a:pPr lvl="0"/>
             <a:r>
-              <a:rPr lang="ko-KR" altLang="en-US" smtClean="0"/>
+              <a:rPr lang="ko-KR" altLang="en-US"/>
               <a:t>마스터 텍스트 스타일 편집</a:t>
             </a:r>
           </a:p>
           <a:p>
             <a:pPr lvl="1"/>
             <a:r>
-              <a:rPr lang="ko-KR" altLang="en-US" smtClean="0"/>
+              <a:rPr lang="ko-KR" altLang="en-US"/>
               <a:t>둘째 수준</a:t>
             </a:r>
           </a:p>
           <a:p>
             <a:pPr lvl="2"/>
             <a:r>
-              <a:rPr lang="ko-KR" altLang="en-US" smtClean="0"/>
+              <a:rPr lang="ko-KR" altLang="en-US"/>
               <a:t>셋째 수준</a:t>
             </a:r>
           </a:p>
           <a:p>
             <a:pPr lvl="3"/>
             <a:r>
-              <a:rPr lang="ko-KR" altLang="en-US" smtClean="0"/>
+              <a:rPr lang="ko-KR" altLang="en-US"/>
               <a:t>넷째 수준</a:t>
             </a:r>
           </a:p>
           <a:p>
             <a:pPr lvl="4"/>
             <a:r>
-              <a:rPr lang="ko-KR" altLang="en-US" smtClean="0"/>
+              <a:rPr lang="ko-KR" altLang="en-US"/>
               <a:t>다섯째 수준</a:t>
             </a:r>
-            <a:endParaRPr lang="ko-KR" altLang="en-US"/>
           </a:p>
         </p:txBody>
       </p:sp>
@@ -1186,38 +1180,37 @@
           <a:p>
             <a:pPr lvl="0"/>
             <a:r>
-              <a:rPr lang="ko-KR" altLang="en-US" smtClean="0"/>
+              <a:rPr lang="ko-KR" altLang="en-US"/>
               <a:t>마스터 텍스트 스타일 편집</a:t>
             </a:r>
           </a:p>
           <a:p>
             <a:pPr lvl="1"/>
             <a:r>
-              <a:rPr lang="ko-KR" altLang="en-US" smtClean="0"/>
+              <a:rPr lang="ko-KR" altLang="en-US"/>
               <a:t>둘째 수준</a:t>
             </a:r>
           </a:p>
           <a:p>
             <a:pPr lvl="2"/>
             <a:r>
-              <a:rPr lang="ko-KR" altLang="en-US" smtClean="0"/>
+              <a:rPr lang="ko-KR" altLang="en-US"/>
               <a:t>셋째 수준</a:t>
             </a:r>
           </a:p>
           <a:p>
             <a:pPr lvl="3"/>
             <a:r>
-              <a:rPr lang="ko-KR" altLang="en-US" smtClean="0"/>
+              <a:rPr lang="ko-KR" altLang="en-US"/>
               <a:t>넷째 수준</a:t>
             </a:r>
           </a:p>
           <a:p>
             <a:pPr lvl="4"/>
             <a:r>
-              <a:rPr lang="ko-KR" altLang="en-US" smtClean="0"/>
+              <a:rPr lang="ko-KR" altLang="en-US"/>
               <a:t>다섯째 수준</a:t>
             </a:r>
-            <a:endParaRPr lang="ko-KR" altLang="en-US"/>
           </a:p>
         </p:txBody>
       </p:sp>
@@ -1238,7 +1231,7 @@
           <a:p>
             <a:fld id="{CB0EED9A-EBED-423C-B75F-8ED474AEA454}" type="datetimeFigureOut">
               <a:rPr lang="ko-KR" altLang="en-US" smtClean="0"/>
-              <a:t>2024-06-24</a:t>
+              <a:t>06-26(Wed)</a:t>
             </a:fld>
             <a:endParaRPr lang="ko-KR" altLang="en-US"/>
           </a:p>
@@ -1337,10 +1330,9 @@
           <a:lstStyle/>
           <a:p>
             <a:r>
-              <a:rPr lang="ko-KR" altLang="en-US" smtClean="0"/>
+              <a:rPr lang="ko-KR" altLang="en-US"/>
               <a:t>마스터 제목 스타일 편집</a:t>
             </a:r>
-            <a:endParaRPr lang="ko-KR" altLang="en-US"/>
           </a:p>
         </p:txBody>
       </p:sp>
@@ -1403,7 +1395,7 @@
           <a:p>
             <a:pPr lvl="0"/>
             <a:r>
-              <a:rPr lang="ko-KR" altLang="en-US" smtClean="0"/>
+              <a:rPr lang="ko-KR" altLang="en-US"/>
               <a:t>마스터 텍스트 스타일 편집</a:t>
             </a:r>
           </a:p>
@@ -1431,38 +1423,37 @@
           <a:p>
             <a:pPr lvl="0"/>
             <a:r>
-              <a:rPr lang="ko-KR" altLang="en-US" smtClean="0"/>
+              <a:rPr lang="ko-KR" altLang="en-US"/>
               <a:t>마스터 텍스트 스타일 편집</a:t>
             </a:r>
           </a:p>
           <a:p>
             <a:pPr lvl="1"/>
             <a:r>
-              <a:rPr lang="ko-KR" altLang="en-US" smtClean="0"/>
+              <a:rPr lang="ko-KR" altLang="en-US"/>
               <a:t>둘째 수준</a:t>
             </a:r>
           </a:p>
           <a:p>
             <a:pPr lvl="2"/>
             <a:r>
-              <a:rPr lang="ko-KR" altLang="en-US" smtClean="0"/>
+              <a:rPr lang="ko-KR" altLang="en-US"/>
               <a:t>셋째 수준</a:t>
             </a:r>
           </a:p>
           <a:p>
             <a:pPr lvl="3"/>
             <a:r>
-              <a:rPr lang="ko-KR" altLang="en-US" smtClean="0"/>
+              <a:rPr lang="ko-KR" altLang="en-US"/>
               <a:t>넷째 수준</a:t>
             </a:r>
           </a:p>
           <a:p>
             <a:pPr lvl="4"/>
             <a:r>
-              <a:rPr lang="ko-KR" altLang="en-US" smtClean="0"/>
+              <a:rPr lang="ko-KR" altLang="en-US"/>
               <a:t>다섯째 수준</a:t>
             </a:r>
-            <a:endParaRPr lang="ko-KR" altLang="en-US"/>
           </a:p>
         </p:txBody>
       </p:sp>
@@ -1525,7 +1516,7 @@
           <a:p>
             <a:pPr lvl="0"/>
             <a:r>
-              <a:rPr lang="ko-KR" altLang="en-US" smtClean="0"/>
+              <a:rPr lang="ko-KR" altLang="en-US"/>
               <a:t>마스터 텍스트 스타일 편집</a:t>
             </a:r>
           </a:p>
@@ -1553,38 +1544,37 @@
           <a:p>
             <a:pPr lvl="0"/>
             <a:r>
-              <a:rPr lang="ko-KR" altLang="en-US" smtClean="0"/>
+              <a:rPr lang="ko-KR" altLang="en-US"/>
               <a:t>마스터 텍스트 스타일 편집</a:t>
             </a:r>
           </a:p>
           <a:p>
             <a:pPr lvl="1"/>
             <a:r>
-              <a:rPr lang="ko-KR" altLang="en-US" smtClean="0"/>
+              <a:rPr lang="ko-KR" altLang="en-US"/>
               <a:t>둘째 수준</a:t>
             </a:r>
           </a:p>
           <a:p>
             <a:pPr lvl="2"/>
             <a:r>
-              <a:rPr lang="ko-KR" altLang="en-US" smtClean="0"/>
+              <a:rPr lang="ko-KR" altLang="en-US"/>
               <a:t>셋째 수준</a:t>
             </a:r>
           </a:p>
           <a:p>
             <a:pPr lvl="3"/>
             <a:r>
-              <a:rPr lang="ko-KR" altLang="en-US" smtClean="0"/>
+              <a:rPr lang="ko-KR" altLang="en-US"/>
               <a:t>넷째 수준</a:t>
             </a:r>
           </a:p>
           <a:p>
             <a:pPr lvl="4"/>
             <a:r>
-              <a:rPr lang="ko-KR" altLang="en-US" smtClean="0"/>
+              <a:rPr lang="ko-KR" altLang="en-US"/>
               <a:t>다섯째 수준</a:t>
             </a:r>
-            <a:endParaRPr lang="ko-KR" altLang="en-US"/>
           </a:p>
         </p:txBody>
       </p:sp>
@@ -1605,7 +1595,7 @@
           <a:p>
             <a:fld id="{CB0EED9A-EBED-423C-B75F-8ED474AEA454}" type="datetimeFigureOut">
               <a:rPr lang="ko-KR" altLang="en-US" smtClean="0"/>
-              <a:t>2024-06-24</a:t>
+              <a:t>06-26(Wed)</a:t>
             </a:fld>
             <a:endParaRPr lang="ko-KR" altLang="en-US"/>
           </a:p>
@@ -1699,10 +1689,9 @@
           <a:lstStyle/>
           <a:p>
             <a:r>
-              <a:rPr lang="ko-KR" altLang="en-US" smtClean="0"/>
+              <a:rPr lang="ko-KR" altLang="en-US"/>
               <a:t>마스터 제목 스타일 편집</a:t>
             </a:r>
-            <a:endParaRPr lang="ko-KR" altLang="en-US"/>
           </a:p>
         </p:txBody>
       </p:sp>
@@ -1723,7 +1712,7 @@
           <a:p>
             <a:fld id="{CB0EED9A-EBED-423C-B75F-8ED474AEA454}" type="datetimeFigureOut">
               <a:rPr lang="ko-KR" altLang="en-US" smtClean="0"/>
-              <a:t>2024-06-24</a:t>
+              <a:t>06-26(Wed)</a:t>
             </a:fld>
             <a:endParaRPr lang="ko-KR" altLang="en-US"/>
           </a:p>
@@ -1818,7 +1807,7 @@
           <a:p>
             <a:fld id="{CB0EED9A-EBED-423C-B75F-8ED474AEA454}" type="datetimeFigureOut">
               <a:rPr lang="ko-KR" altLang="en-US" smtClean="0"/>
-              <a:t>2024-06-24</a:t>
+              <a:t>06-26(Wed)</a:t>
             </a:fld>
             <a:endParaRPr lang="ko-KR" altLang="en-US"/>
           </a:p>
@@ -1921,10 +1910,9 @@
           </a:lstStyle>
           <a:p>
             <a:r>
-              <a:rPr lang="ko-KR" altLang="en-US" smtClean="0"/>
+              <a:rPr lang="ko-KR" altLang="en-US"/>
               <a:t>마스터 제목 스타일 편집</a:t>
             </a:r>
-            <a:endParaRPr lang="ko-KR" altLang="en-US"/>
           </a:p>
         </p:txBody>
       </p:sp>
@@ -1978,38 +1966,37 @@
           <a:p>
             <a:pPr lvl="0"/>
             <a:r>
-              <a:rPr lang="ko-KR" altLang="en-US" smtClean="0"/>
+              <a:rPr lang="ko-KR" altLang="en-US"/>
               <a:t>마스터 텍스트 스타일 편집</a:t>
             </a:r>
           </a:p>
           <a:p>
             <a:pPr lvl="1"/>
             <a:r>
-              <a:rPr lang="ko-KR" altLang="en-US" smtClean="0"/>
+              <a:rPr lang="ko-KR" altLang="en-US"/>
               <a:t>둘째 수준</a:t>
             </a:r>
           </a:p>
           <a:p>
             <a:pPr lvl="2"/>
             <a:r>
-              <a:rPr lang="ko-KR" altLang="en-US" smtClean="0"/>
+              <a:rPr lang="ko-KR" altLang="en-US"/>
               <a:t>셋째 수준</a:t>
             </a:r>
           </a:p>
           <a:p>
             <a:pPr lvl="3"/>
             <a:r>
-              <a:rPr lang="ko-KR" altLang="en-US" smtClean="0"/>
+              <a:rPr lang="ko-KR" altLang="en-US"/>
               <a:t>넷째 수준</a:t>
             </a:r>
           </a:p>
           <a:p>
             <a:pPr lvl="4"/>
             <a:r>
-              <a:rPr lang="ko-KR" altLang="en-US" smtClean="0"/>
+              <a:rPr lang="ko-KR" altLang="en-US"/>
               <a:t>다섯째 수준</a:t>
             </a:r>
-            <a:endParaRPr lang="ko-KR" altLang="en-US"/>
           </a:p>
         </p:txBody>
       </p:sp>
@@ -2072,7 +2059,7 @@
           <a:p>
             <a:pPr lvl="0"/>
             <a:r>
-              <a:rPr lang="ko-KR" altLang="en-US" smtClean="0"/>
+              <a:rPr lang="ko-KR" altLang="en-US"/>
               <a:t>마스터 텍스트 스타일 편집</a:t>
             </a:r>
           </a:p>
@@ -2095,7 +2082,7 @@
           <a:p>
             <a:fld id="{CB0EED9A-EBED-423C-B75F-8ED474AEA454}" type="datetimeFigureOut">
               <a:rPr lang="ko-KR" altLang="en-US" smtClean="0"/>
-              <a:t>2024-06-24</a:t>
+              <a:t>06-26(Wed)</a:t>
             </a:fld>
             <a:endParaRPr lang="ko-KR" altLang="en-US"/>
           </a:p>
@@ -2198,10 +2185,9 @@
           </a:lstStyle>
           <a:p>
             <a:r>
-              <a:rPr lang="ko-KR" altLang="en-US" smtClean="0"/>
+              <a:rPr lang="ko-KR" altLang="en-US"/>
               <a:t>마스터 제목 스타일 편집</a:t>
             </a:r>
-            <a:endParaRPr lang="ko-KR" altLang="en-US"/>
           </a:p>
         </p:txBody>
       </p:sp>
@@ -2325,7 +2311,7 @@
           <a:p>
             <a:pPr lvl="0"/>
             <a:r>
-              <a:rPr lang="ko-KR" altLang="en-US" smtClean="0"/>
+              <a:rPr lang="ko-KR" altLang="en-US"/>
               <a:t>마스터 텍스트 스타일 편집</a:t>
             </a:r>
           </a:p>
@@ -2348,7 +2334,7 @@
           <a:p>
             <a:fld id="{CB0EED9A-EBED-423C-B75F-8ED474AEA454}" type="datetimeFigureOut">
               <a:rPr lang="ko-KR" altLang="en-US" smtClean="0"/>
-              <a:t>2024-06-24</a:t>
+              <a:t>06-26(Wed)</a:t>
             </a:fld>
             <a:endParaRPr lang="ko-KR" altLang="en-US"/>
           </a:p>
@@ -2457,10 +2443,9 @@
           <a:lstStyle/>
           <a:p>
             <a:r>
-              <a:rPr lang="ko-KR" altLang="en-US" smtClean="0"/>
+              <a:rPr lang="ko-KR" altLang="en-US"/>
               <a:t>마스터 제목 스타일 편집</a:t>
             </a:r>
-            <a:endParaRPr lang="ko-KR" altLang="en-US"/>
           </a:p>
         </p:txBody>
       </p:sp>
@@ -2491,38 +2476,37 @@
           <a:p>
             <a:pPr lvl="0"/>
             <a:r>
-              <a:rPr lang="ko-KR" altLang="en-US" smtClean="0"/>
+              <a:rPr lang="ko-KR" altLang="en-US"/>
               <a:t>마스터 텍스트 스타일 편집</a:t>
             </a:r>
           </a:p>
           <a:p>
             <a:pPr lvl="1"/>
             <a:r>
-              <a:rPr lang="ko-KR" altLang="en-US" smtClean="0"/>
+              <a:rPr lang="ko-KR" altLang="en-US"/>
               <a:t>둘째 수준</a:t>
             </a:r>
           </a:p>
           <a:p>
             <a:pPr lvl="2"/>
             <a:r>
-              <a:rPr lang="ko-KR" altLang="en-US" smtClean="0"/>
+              <a:rPr lang="ko-KR" altLang="en-US"/>
               <a:t>셋째 수준</a:t>
             </a:r>
           </a:p>
           <a:p>
             <a:pPr lvl="3"/>
             <a:r>
-              <a:rPr lang="ko-KR" altLang="en-US" smtClean="0"/>
+              <a:rPr lang="ko-KR" altLang="en-US"/>
               <a:t>넷째 수준</a:t>
             </a:r>
           </a:p>
           <a:p>
             <a:pPr lvl="4"/>
             <a:r>
-              <a:rPr lang="ko-KR" altLang="en-US" smtClean="0"/>
+              <a:rPr lang="ko-KR" altLang="en-US"/>
               <a:t>다섯째 수준</a:t>
             </a:r>
-            <a:endParaRPr lang="ko-KR" altLang="en-US"/>
           </a:p>
         </p:txBody>
       </p:sp>
@@ -2561,7 +2545,7 @@
           <a:p>
             <a:fld id="{CB0EED9A-EBED-423C-B75F-8ED474AEA454}" type="datetimeFigureOut">
               <a:rPr lang="ko-KR" altLang="en-US" smtClean="0"/>
-              <a:t>2024-06-24</a:t>
+              <a:t>06-26(Wed)</a:t>
             </a:fld>
             <a:endParaRPr lang="ko-KR" altLang="en-US"/>
           </a:p>
@@ -3003,7 +2987,7 @@
           <a:p>
             <a:pPr algn="ctr"/>
             <a:r>
-              <a:rPr lang="en-US" altLang="ko-KR" dirty="0" smtClean="0"/>
+              <a:rPr lang="en-US" altLang="ko-KR" dirty="0"/>
               <a:t>Client</a:t>
             </a:r>
           </a:p>
@@ -3014,7 +2998,7 @@
           <a:p>
             <a:pPr algn="ctr"/>
             <a:r>
-              <a:rPr lang="en-US" altLang="ko-KR" dirty="0" smtClean="0"/>
+              <a:rPr lang="en-US" altLang="ko-KR" dirty="0"/>
               <a:t>A PC</a:t>
             </a:r>
             <a:endParaRPr lang="ko-KR" altLang="en-US" dirty="0"/>
@@ -3058,7 +3042,7 @@
           <a:p>
             <a:pPr algn="ctr"/>
             <a:r>
-              <a:rPr lang="en-US" altLang="ko-KR" dirty="0" smtClean="0"/>
+              <a:rPr lang="en-US" altLang="ko-KR" dirty="0"/>
               <a:t>Server / Client</a:t>
             </a:r>
           </a:p>
@@ -3069,7 +3053,7 @@
           <a:p>
             <a:pPr algn="ctr"/>
             <a:r>
-              <a:rPr lang="en-US" altLang="ko-KR" dirty="0" smtClean="0"/>
+              <a:rPr lang="en-US" altLang="ko-KR" dirty="0"/>
               <a:t>B PC / Program</a:t>
             </a:r>
             <a:endParaRPr lang="ko-KR" altLang="en-US" dirty="0"/>
@@ -3179,7 +3163,7 @@
           <a:p>
             <a:pPr algn="ctr"/>
             <a:r>
-              <a:rPr lang="en-US" altLang="ko-KR" dirty="0" smtClean="0"/>
+              <a:rPr lang="en-US" altLang="ko-KR" dirty="0"/>
               <a:t>DB</a:t>
             </a:r>
           </a:p>
@@ -3190,7 +3174,7 @@
           <a:p>
             <a:pPr algn="ctr"/>
             <a:r>
-              <a:rPr lang="en-US" altLang="ko-KR" dirty="0" smtClean="0"/>
+              <a:rPr lang="en-US" altLang="ko-KR" dirty="0"/>
               <a:t>C PC</a:t>
             </a:r>
             <a:endParaRPr lang="ko-KR" altLang="en-US" dirty="0"/>
@@ -3300,7 +3284,7 @@
           <a:p>
             <a:pPr algn="ctr"/>
             <a:r>
-              <a:rPr lang="en-US" altLang="ko-KR" dirty="0" smtClean="0"/>
+              <a:rPr lang="en-US" altLang="ko-KR" dirty="0"/>
               <a:t>Server</a:t>
             </a:r>
           </a:p>
@@ -3311,7 +3295,7 @@
           <a:p>
             <a:pPr algn="ctr"/>
             <a:r>
-              <a:rPr lang="en-US" altLang="ko-KR" dirty="0" smtClean="0"/>
+              <a:rPr lang="en-US" altLang="ko-KR" dirty="0"/>
               <a:t>D PC</a:t>
             </a:r>
             <a:endParaRPr lang="ko-KR" altLang="en-US" dirty="0"/>
@@ -3407,14 +3391,14 @@
           <a:lstStyle/>
           <a:p>
             <a:r>
-              <a:rPr lang="ko-KR" altLang="en-US" dirty="0" smtClean="0">
+              <a:rPr lang="ko-KR" altLang="en-US" dirty="0">
                 <a:latin typeface="에스코어 드림 4 Regular" panose="020B0503030302020204" pitchFamily="34" charset="-127"/>
                 <a:ea typeface="에스코어 드림 4 Regular" panose="020B0503030302020204" pitchFamily="34" charset="-127"/>
               </a:rPr>
               <a:t>기본적으로 핵심시스템은 하나입니다</a:t>
             </a:r>
             <a:r>
-              <a:rPr lang="en-US" altLang="ko-KR" dirty="0" smtClean="0">
+              <a:rPr lang="en-US" altLang="ko-KR" dirty="0">
                 <a:latin typeface="에스코어 드림 4 Regular" panose="020B0503030302020204" pitchFamily="34" charset="-127"/>
                 <a:ea typeface="에스코어 드림 4 Regular" panose="020B0503030302020204" pitchFamily="34" charset="-127"/>
               </a:rPr>
@@ -3509,7 +3493,7 @@
               <a:t>당 한 개만 존재합니다</a:t>
             </a:r>
             <a:r>
-              <a:rPr lang="en-US" altLang="ko-KR" dirty="0" smtClean="0"/>
+              <a:rPr lang="en-US" altLang="ko-KR" dirty="0"/>
               <a:t>.</a:t>
             </a:r>
           </a:p>
@@ -3518,130 +3502,130 @@
           </a:p>
           <a:p>
             <a:r>
-              <a:rPr lang="en-US" altLang="ko-KR" dirty="0" smtClean="0"/>
+              <a:rPr lang="en-US" altLang="ko-KR" dirty="0"/>
               <a:t> </a:t>
             </a:r>
             <a:r>
-              <a:rPr lang="en-US" altLang="ko-KR" dirty="0" smtClean="0">
+              <a:rPr lang="en-US" altLang="ko-KR" dirty="0">
                 <a:sym typeface="Wingdings" panose="05000000000000000000" pitchFamily="2" charset="2"/>
               </a:rPr>
               <a:t> IP</a:t>
             </a:r>
             <a:r>
-              <a:rPr lang="ko-KR" altLang="en-US" dirty="0" smtClean="0">
+              <a:rPr lang="ko-KR" altLang="en-US" dirty="0">
                 <a:sym typeface="Wingdings" panose="05000000000000000000" pitchFamily="2" charset="2"/>
               </a:rPr>
               <a:t>만 알면 어떤 </a:t>
             </a:r>
             <a:r>
-              <a:rPr lang="en-US" altLang="ko-KR" dirty="0" smtClean="0">
+              <a:rPr lang="en-US" altLang="ko-KR" dirty="0">
                 <a:sym typeface="Wingdings" panose="05000000000000000000" pitchFamily="2" charset="2"/>
               </a:rPr>
               <a:t>PC</a:t>
             </a:r>
             <a:r>
-              <a:rPr lang="ko-KR" altLang="en-US" dirty="0" smtClean="0">
+              <a:rPr lang="ko-KR" altLang="en-US" dirty="0">
                 <a:sym typeface="Wingdings" panose="05000000000000000000" pitchFamily="2" charset="2"/>
               </a:rPr>
               <a:t>에 접근할 것인가</a:t>
             </a:r>
-            <a:endParaRPr lang="en-US" altLang="ko-KR" dirty="0" smtClean="0">
-              <a:sym typeface="Wingdings" panose="05000000000000000000" pitchFamily="2" charset="2"/>
-            </a:endParaRPr>
-          </a:p>
-          <a:p>
-            <a:r>
-              <a:rPr lang="ko-KR" altLang="en-US" dirty="0" err="1" smtClean="0">
-                <a:sym typeface="Wingdings" panose="05000000000000000000" pitchFamily="2" charset="2"/>
-              </a:rPr>
-              <a:t>를</a:t>
-            </a:r>
-            <a:r>
-              <a:rPr lang="ko-KR" altLang="en-US" dirty="0" smtClean="0">
-                <a:sym typeface="Wingdings" panose="05000000000000000000" pitchFamily="2" charset="2"/>
-              </a:rPr>
-              <a:t> </a:t>
-            </a:r>
-            <a:r>
-              <a:rPr lang="ko-KR" altLang="en-US" dirty="0" err="1" smtClean="0">
-                <a:sym typeface="Wingdings" panose="05000000000000000000" pitchFamily="2" charset="2"/>
-              </a:rPr>
-              <a:t>아는겁니다</a:t>
-            </a:r>
-            <a:r>
-              <a:rPr lang="en-US" altLang="ko-KR" dirty="0" smtClean="0">
-                <a:sym typeface="Wingdings" panose="05000000000000000000" pitchFamily="2" charset="2"/>
-              </a:rPr>
-              <a:t>.</a:t>
-            </a:r>
-          </a:p>
-          <a:p>
-            <a:endParaRPr lang="en-US" altLang="ko-KR" dirty="0" smtClean="0">
-              <a:sym typeface="Wingdings" panose="05000000000000000000" pitchFamily="2" charset="2"/>
-            </a:endParaRPr>
-          </a:p>
-          <a:p>
-            <a:r>
-              <a:rPr lang="ko-KR" altLang="en-US" dirty="0" smtClean="0">
-                <a:sym typeface="Wingdings" panose="05000000000000000000" pitchFamily="2" charset="2"/>
-              </a:rPr>
-              <a:t>하나의 </a:t>
-            </a:r>
-            <a:r>
-              <a:rPr lang="en-US" altLang="ko-KR" dirty="0" smtClean="0">
-                <a:sym typeface="Wingdings" panose="05000000000000000000" pitchFamily="2" charset="2"/>
-              </a:rPr>
-              <a:t>PC</a:t>
-            </a:r>
-            <a:r>
-              <a:rPr lang="ko-KR" altLang="en-US" dirty="0" smtClean="0">
-                <a:sym typeface="Wingdings" panose="05000000000000000000" pitchFamily="2" charset="2"/>
-              </a:rPr>
-              <a:t>당 여러 개의 통신을 할 수 있으니</a:t>
-            </a:r>
-            <a:endParaRPr lang="en-US" altLang="ko-KR" dirty="0" smtClean="0">
-              <a:sym typeface="Wingdings" panose="05000000000000000000" pitchFamily="2" charset="2"/>
-            </a:endParaRPr>
-          </a:p>
-          <a:p>
-            <a:r>
-              <a:rPr lang="ko-KR" altLang="en-US" dirty="0" err="1" smtClean="0">
-                <a:sym typeface="Wingdings" panose="05000000000000000000" pitchFamily="2" charset="2"/>
-              </a:rPr>
-              <a:t>통신창구를</a:t>
-            </a:r>
-            <a:r>
-              <a:rPr lang="ko-KR" altLang="en-US" dirty="0" smtClean="0">
-                <a:sym typeface="Wingdings" panose="05000000000000000000" pitchFamily="2" charset="2"/>
-              </a:rPr>
-              <a:t> 설정하는게 </a:t>
-            </a:r>
-            <a:r>
-              <a:rPr lang="en-US" altLang="ko-KR" dirty="0" smtClean="0">
-                <a:sym typeface="Wingdings" panose="05000000000000000000" pitchFamily="2" charset="2"/>
-              </a:rPr>
-              <a:t>Port</a:t>
-            </a:r>
-            <a:r>
-              <a:rPr lang="ko-KR" altLang="en-US" dirty="0" smtClean="0">
-                <a:sym typeface="Wingdings" panose="05000000000000000000" pitchFamily="2" charset="2"/>
-              </a:rPr>
-              <a:t>입니다</a:t>
-            </a:r>
-            <a:r>
-              <a:rPr lang="en-US" altLang="ko-KR" dirty="0" smtClean="0">
-                <a:sym typeface="Wingdings" panose="05000000000000000000" pitchFamily="2" charset="2"/>
-              </a:rPr>
-              <a:t>.</a:t>
-            </a:r>
-          </a:p>
-          <a:p>
             <a:endParaRPr lang="en-US" altLang="ko-KR" dirty="0">
               <a:sym typeface="Wingdings" panose="05000000000000000000" pitchFamily="2" charset="2"/>
             </a:endParaRPr>
           </a:p>
           <a:p>
-            <a:endParaRPr lang="en-US" altLang="ko-KR" dirty="0" smtClean="0">
+            <a:r>
+              <a:rPr lang="ko-KR" altLang="en-US" dirty="0" err="1">
+                <a:sym typeface="Wingdings" panose="05000000000000000000" pitchFamily="2" charset="2"/>
+              </a:rPr>
+              <a:t>를</a:t>
+            </a:r>
+            <a:r>
+              <a:rPr lang="ko-KR" altLang="en-US" dirty="0">
+                <a:sym typeface="Wingdings" panose="05000000000000000000" pitchFamily="2" charset="2"/>
+              </a:rPr>
+              <a:t> </a:t>
+            </a:r>
+            <a:r>
+              <a:rPr lang="ko-KR" altLang="en-US" dirty="0" err="1">
+                <a:sym typeface="Wingdings" panose="05000000000000000000" pitchFamily="2" charset="2"/>
+              </a:rPr>
+              <a:t>아는겁니다</a:t>
+            </a:r>
+            <a:r>
+              <a:rPr lang="en-US" altLang="ko-KR" dirty="0">
+                <a:sym typeface="Wingdings" panose="05000000000000000000" pitchFamily="2" charset="2"/>
+              </a:rPr>
+              <a:t>.</a:t>
+            </a:r>
+          </a:p>
+          <a:p>
+            <a:endParaRPr lang="en-US" altLang="ko-KR" dirty="0">
+              <a:sym typeface="Wingdings" panose="05000000000000000000" pitchFamily="2" charset="2"/>
+            </a:endParaRPr>
+          </a:p>
+          <a:p>
+            <a:r>
+              <a:rPr lang="ko-KR" altLang="en-US" dirty="0">
+                <a:sym typeface="Wingdings" panose="05000000000000000000" pitchFamily="2" charset="2"/>
+              </a:rPr>
+              <a:t>하나의 </a:t>
+            </a:r>
+            <a:r>
+              <a:rPr lang="en-US" altLang="ko-KR" dirty="0">
+                <a:sym typeface="Wingdings" panose="05000000000000000000" pitchFamily="2" charset="2"/>
+              </a:rPr>
+              <a:t>PC</a:t>
+            </a:r>
+            <a:r>
+              <a:rPr lang="ko-KR" altLang="en-US" dirty="0">
+                <a:sym typeface="Wingdings" panose="05000000000000000000" pitchFamily="2" charset="2"/>
+              </a:rPr>
+              <a:t>당 여러 개의 통신을 할 수 있으니</a:t>
+            </a:r>
+            <a:endParaRPr lang="en-US" altLang="ko-KR" dirty="0">
+              <a:sym typeface="Wingdings" panose="05000000000000000000" pitchFamily="2" charset="2"/>
+            </a:endParaRPr>
+          </a:p>
+          <a:p>
+            <a:r>
+              <a:rPr lang="ko-KR" altLang="en-US" dirty="0" err="1">
+                <a:sym typeface="Wingdings" panose="05000000000000000000" pitchFamily="2" charset="2"/>
+              </a:rPr>
+              <a:t>통신창구를</a:t>
+            </a:r>
+            <a:r>
+              <a:rPr lang="ko-KR" altLang="en-US" dirty="0">
+                <a:sym typeface="Wingdings" panose="05000000000000000000" pitchFamily="2" charset="2"/>
+              </a:rPr>
+              <a:t> 설정하는게 </a:t>
+            </a:r>
+            <a:r>
+              <a:rPr lang="en-US" altLang="ko-KR" dirty="0">
+                <a:sym typeface="Wingdings" panose="05000000000000000000" pitchFamily="2" charset="2"/>
+              </a:rPr>
+              <a:t>Port</a:t>
+            </a:r>
+            <a:r>
+              <a:rPr lang="ko-KR" altLang="en-US" dirty="0">
+                <a:sym typeface="Wingdings" panose="05000000000000000000" pitchFamily="2" charset="2"/>
+              </a:rPr>
+              <a:t>입니다</a:t>
+            </a:r>
+            <a:r>
+              <a:rPr lang="en-US" altLang="ko-KR" dirty="0">
+                <a:sym typeface="Wingdings" panose="05000000000000000000" pitchFamily="2" charset="2"/>
+              </a:rPr>
+              <a:t>.</a:t>
+            </a:r>
+          </a:p>
+          <a:p>
+            <a:endParaRPr lang="en-US" altLang="ko-KR" dirty="0">
+              <a:sym typeface="Wingdings" panose="05000000000000000000" pitchFamily="2" charset="2"/>
+            </a:endParaRPr>
+          </a:p>
+          <a:p>
+            <a:endParaRPr lang="en-US" altLang="ko-KR" dirty="0">
               <a:sym typeface="Wingdings" panose="05000000000000000000" pitchFamily="2" charset="2"/>
             </a:endParaRPr>
           </a:p>
@@ -3700,14 +3684,14 @@
           <a:lstStyle/>
           <a:p>
             <a:r>
-              <a:rPr lang="ko-KR" altLang="en-US" dirty="0" smtClean="0">
+              <a:rPr lang="ko-KR" altLang="en-US" dirty="0">
                 <a:latin typeface="에스코어 드림 4 Regular" panose="020B0503030302020204" pitchFamily="34" charset="-127"/>
                 <a:ea typeface="에스코어 드림 4 Regular" panose="020B0503030302020204" pitchFamily="34" charset="-127"/>
               </a:rPr>
               <a:t>기본적으로 핵심시스템은 하나입니다</a:t>
             </a:r>
             <a:r>
-              <a:rPr lang="en-US" altLang="ko-KR" dirty="0" smtClean="0">
+              <a:rPr lang="en-US" altLang="ko-KR" dirty="0">
                 <a:latin typeface="에스코어 드림 4 Regular" panose="020B0503030302020204" pitchFamily="34" charset="-127"/>
                 <a:ea typeface="에스코어 드림 4 Regular" panose="020B0503030302020204" pitchFamily="34" charset="-127"/>
               </a:rPr>
@@ -3722,7 +3706,7 @@
           </a:p>
           <a:p>
             <a:r>
-              <a:rPr lang="en-US" altLang="ko-KR" dirty="0" smtClean="0">
+              <a:rPr lang="en-US" altLang="ko-KR" dirty="0">
                 <a:latin typeface="에스코어 드림 4 Regular" panose="020B0503030302020204" pitchFamily="34" charset="-127"/>
                 <a:ea typeface="에스코어 드림 4 Regular" panose="020B0503030302020204" pitchFamily="34" charset="-127"/>
                 <a:sym typeface="Wingdings" panose="05000000000000000000" pitchFamily="2" charset="2"/>
@@ -3730,49 +3714,49 @@
               <a:t> </a:t>
             </a:r>
             <a:r>
-              <a:rPr lang="en-US" altLang="ko-KR" dirty="0" smtClean="0">
+              <a:rPr lang="en-US" altLang="ko-KR" dirty="0">
                 <a:latin typeface="에스코어 드림 4 Regular" panose="020B0503030302020204" pitchFamily="34" charset="-127"/>
                 <a:ea typeface="에스코어 드림 4 Regular" panose="020B0503030302020204" pitchFamily="34" charset="-127"/>
               </a:rPr>
               <a:t>IP</a:t>
             </a:r>
             <a:r>
-              <a:rPr lang="ko-KR" altLang="en-US" dirty="0" smtClean="0">
+              <a:rPr lang="ko-KR" altLang="en-US" dirty="0">
                 <a:latin typeface="에스코어 드림 4 Regular" panose="020B0503030302020204" pitchFamily="34" charset="-127"/>
                 <a:ea typeface="에스코어 드림 4 Regular" panose="020B0503030302020204" pitchFamily="34" charset="-127"/>
               </a:rPr>
               <a:t>로 접근하고 </a:t>
             </a:r>
             <a:r>
-              <a:rPr lang="en-US" altLang="ko-KR" dirty="0" smtClean="0">
+              <a:rPr lang="en-US" altLang="ko-KR" dirty="0">
                 <a:latin typeface="에스코어 드림 4 Regular" panose="020B0503030302020204" pitchFamily="34" charset="-127"/>
                 <a:ea typeface="에스코어 드림 4 Regular" panose="020B0503030302020204" pitchFamily="34" charset="-127"/>
               </a:rPr>
               <a:t>Port</a:t>
             </a:r>
             <a:r>
-              <a:rPr lang="ko-KR" altLang="en-US" dirty="0" smtClean="0">
+              <a:rPr lang="ko-KR" altLang="en-US" dirty="0">
                 <a:latin typeface="에스코어 드림 4 Regular" panose="020B0503030302020204" pitchFamily="34" charset="-127"/>
                 <a:ea typeface="에스코어 드림 4 Regular" panose="020B0503030302020204" pitchFamily="34" charset="-127"/>
               </a:rPr>
               <a:t>를 통해 </a:t>
             </a:r>
             <a:r>
-              <a:rPr lang="ko-KR" altLang="en-US" dirty="0" err="1" smtClean="0">
+              <a:rPr lang="ko-KR" altLang="en-US" dirty="0" err="1">
                 <a:latin typeface="에스코어 드림 4 Regular" panose="020B0503030302020204" pitchFamily="34" charset="-127"/>
                 <a:ea typeface="에스코어 드림 4 Regular" panose="020B0503030302020204" pitchFamily="34" charset="-127"/>
               </a:rPr>
               <a:t>통신창구를</a:t>
             </a:r>
             <a:r>
-              <a:rPr lang="ko-KR" altLang="en-US" dirty="0" smtClean="0">
+              <a:rPr lang="ko-KR" altLang="en-US" dirty="0">
                 <a:latin typeface="에스코어 드림 4 Regular" panose="020B0503030302020204" pitchFamily="34" charset="-127"/>
                 <a:ea typeface="에스코어 드림 4 Regular" panose="020B0503030302020204" pitchFamily="34" charset="-127"/>
               </a:rPr>
               <a:t> 설정해서 통신한다</a:t>
             </a:r>
             <a:r>
-              <a:rPr lang="en-US" altLang="ko-KR" dirty="0" smtClean="0">
+              <a:rPr lang="en-US" altLang="ko-KR" dirty="0">
                 <a:latin typeface="에스코어 드림 4 Regular" panose="020B0503030302020204" pitchFamily="34" charset="-127"/>
                 <a:ea typeface="에스코어 드림 4 Regular" panose="020B0503030302020204" pitchFamily="34" charset="-127"/>
               </a:rPr>
@@ -3780,115 +3764,19 @@
             </a:r>
           </a:p>
           <a:p>
-            <a:endParaRPr lang="en-US" altLang="ko-KR" dirty="0" smtClean="0">
-              <a:latin typeface="에스코어 드림 4 Regular" panose="020B0503030302020204" pitchFamily="34" charset="-127"/>
-              <a:ea typeface="에스코어 드림 4 Regular" panose="020B0503030302020204" pitchFamily="34" charset="-127"/>
-            </a:endParaRPr>
-          </a:p>
-          <a:p>
-            <a:r>
-              <a:rPr lang="ko-KR" altLang="en-US" dirty="0" smtClean="0">
-                <a:latin typeface="에스코어 드림 4 Regular" panose="020B0503030302020204" pitchFamily="34" charset="-127"/>
-                <a:ea typeface="에스코어 드림 4 Regular" panose="020B0503030302020204" pitchFamily="34" charset="-127"/>
-              </a:rPr>
-              <a:t>저희가 배울 웹 서버</a:t>
-            </a:r>
-            <a:endParaRPr lang="en-US" altLang="ko-KR" dirty="0" smtClean="0">
-              <a:latin typeface="에스코어 드림 4 Regular" panose="020B0503030302020204" pitchFamily="34" charset="-127"/>
-              <a:ea typeface="에스코어 드림 4 Regular" panose="020B0503030302020204" pitchFamily="34" charset="-127"/>
-            </a:endParaRPr>
-          </a:p>
-          <a:p>
-            <a:r>
-              <a:rPr lang="en-US" altLang="ko-KR" dirty="0">
-                <a:latin typeface="에스코어 드림 4 Regular" panose="020B0503030302020204" pitchFamily="34" charset="-127"/>
-                <a:ea typeface="에스코어 드림 4 Regular" panose="020B0503030302020204" pitchFamily="34" charset="-127"/>
-              </a:rPr>
-              <a:t> </a:t>
-            </a:r>
-            <a:r>
-              <a:rPr lang="en-US" altLang="ko-KR" dirty="0" smtClean="0">
-                <a:latin typeface="에스코어 드림 4 Regular" panose="020B0503030302020204" pitchFamily="34" charset="-127"/>
-                <a:ea typeface="에스코어 드림 4 Regular" panose="020B0503030302020204" pitchFamily="34" charset="-127"/>
-                <a:sym typeface="Wingdings" panose="05000000000000000000" pitchFamily="2" charset="2"/>
-              </a:rPr>
-              <a:t> </a:t>
-            </a:r>
-            <a:r>
-              <a:rPr lang="ko-KR" altLang="en-US" dirty="0" smtClean="0">
-                <a:latin typeface="에스코어 드림 4 Regular" panose="020B0503030302020204" pitchFamily="34" charset="-127"/>
-                <a:ea typeface="에스코어 드림 4 Regular" panose="020B0503030302020204" pitchFamily="34" charset="-127"/>
-                <a:sym typeface="Wingdings" panose="05000000000000000000" pitchFamily="2" charset="2"/>
-              </a:rPr>
-              <a:t>웹통신기법을 활용한 서버</a:t>
-            </a:r>
             <a:endParaRPr lang="en-US" altLang="ko-KR" dirty="0">
               <a:latin typeface="에스코어 드림 4 Regular" panose="020B0503030302020204" pitchFamily="34" charset="-127"/>
               <a:ea typeface="에스코어 드림 4 Regular" panose="020B0503030302020204" pitchFamily="34" charset="-127"/>
             </a:endParaRPr>
           </a:p>
           <a:p>
-            <a:endParaRPr lang="en-US" altLang="ko-KR" dirty="0" smtClean="0">
-              <a:latin typeface="에스코어 드림 4 Regular" panose="020B0503030302020204" pitchFamily="34" charset="-127"/>
-              <a:ea typeface="에스코어 드림 4 Regular" panose="020B0503030302020204" pitchFamily="34" charset="-127"/>
-            </a:endParaRPr>
-          </a:p>
-          <a:p>
-            <a:endParaRPr lang="en-US" altLang="ko-KR" dirty="0" smtClean="0">
-              <a:latin typeface="에스코어 드림 4 Regular" panose="020B0503030302020204" pitchFamily="34" charset="-127"/>
-              <a:ea typeface="에스코어 드림 4 Regular" panose="020B0503030302020204" pitchFamily="34" charset="-127"/>
-            </a:endParaRPr>
-          </a:p>
-          <a:p>
-            <a:r>
-              <a:rPr lang="en-US" altLang="ko-KR" dirty="0" smtClean="0">
-                <a:latin typeface="에스코어 드림 4 Regular" panose="020B0503030302020204" pitchFamily="34" charset="-127"/>
-                <a:ea typeface="에스코어 드림 4 Regular" panose="020B0503030302020204" pitchFamily="34" charset="-127"/>
-              </a:rPr>
-              <a:t>[</a:t>
-            </a:r>
-            <a:r>
-              <a:rPr lang="ko-KR" altLang="en-US" dirty="0" smtClean="0">
-                <a:latin typeface="에스코어 드림 4 Regular" panose="020B0503030302020204" pitchFamily="34" charset="-127"/>
-                <a:ea typeface="에스코어 드림 4 Regular" panose="020B0503030302020204" pitchFamily="34" charset="-127"/>
-              </a:rPr>
-              <a:t>데이터 통신방식들이 웹과 동일합니다</a:t>
-            </a:r>
-            <a:r>
-              <a:rPr lang="en-US" altLang="ko-KR" dirty="0" smtClean="0">
-                <a:latin typeface="에스코어 드림 4 Regular" panose="020B0503030302020204" pitchFamily="34" charset="-127"/>
-                <a:ea typeface="에스코어 드림 4 Regular" panose="020B0503030302020204" pitchFamily="34" charset="-127"/>
-              </a:rPr>
-              <a:t>.]</a:t>
-            </a:r>
-          </a:p>
-          <a:p>
-            <a:endParaRPr lang="en-US" altLang="ko-KR" dirty="0" smtClean="0">
-              <a:latin typeface="에스코어 드림 4 Regular" panose="020B0503030302020204" pitchFamily="34" charset="-127"/>
-              <a:ea typeface="에스코어 드림 4 Regular" panose="020B0503030302020204" pitchFamily="34" charset="-127"/>
-            </a:endParaRPr>
-          </a:p>
-          <a:p>
-            <a:r>
-              <a:rPr lang="en-US" altLang="ko-KR" dirty="0" smtClean="0">
-                <a:latin typeface="에스코어 드림 4 Regular" panose="020B0503030302020204" pitchFamily="34" charset="-127"/>
-                <a:ea typeface="에스코어 드림 4 Regular" panose="020B0503030302020204" pitchFamily="34" charset="-127"/>
-              </a:rPr>
-              <a:t>https:// &lt;&lt; web</a:t>
-            </a:r>
-            <a:r>
-              <a:rPr lang="ko-KR" altLang="en-US" dirty="0" smtClean="0">
-                <a:latin typeface="에스코어 드림 4 Regular" panose="020B0503030302020204" pitchFamily="34" charset="-127"/>
-                <a:ea typeface="에스코어 드림 4 Regular" panose="020B0503030302020204" pitchFamily="34" charset="-127"/>
-              </a:rPr>
-              <a:t>통신 규약</a:t>
-            </a:r>
-            <a:endParaRPr lang="en-US" altLang="ko-KR" dirty="0" smtClean="0">
-              <a:latin typeface="에스코어 드림 4 Regular" panose="020B0503030302020204" pitchFamily="34" charset="-127"/>
-              <a:ea typeface="에스코어 드림 4 Regular" panose="020B0503030302020204" pitchFamily="34" charset="-127"/>
-            </a:endParaRPr>
-          </a:p>
-          <a:p>
+            <a:r>
+              <a:rPr lang="ko-KR" altLang="en-US" dirty="0">
+                <a:latin typeface="에스코어 드림 4 Regular" panose="020B0503030302020204" pitchFamily="34" charset="-127"/>
+                <a:ea typeface="에스코어 드림 4 Regular" panose="020B0503030302020204" pitchFamily="34" charset="-127"/>
+              </a:rPr>
+              <a:t>저희가 배울 웹 서버</a:t>
+            </a:r>
             <a:endParaRPr lang="en-US" altLang="ko-KR" dirty="0">
               <a:latin typeface="에스코어 드림 4 Regular" panose="020B0503030302020204" pitchFamily="34" charset="-127"/>
               <a:ea typeface="에스코어 드림 4 Regular" panose="020B0503030302020204" pitchFamily="34" charset="-127"/>
@@ -3896,73 +3784,40 @@
           </a:p>
           <a:p>
             <a:r>
-              <a:rPr lang="ko-KR" altLang="en-US" dirty="0" smtClean="0">
-                <a:latin typeface="에스코어 드림 4 Regular" panose="020B0503030302020204" pitchFamily="34" charset="-127"/>
-                <a:ea typeface="에스코어 드림 4 Regular" panose="020B0503030302020204" pitchFamily="34" charset="-127"/>
-              </a:rPr>
-              <a:t>대부분의 통신은</a:t>
-            </a:r>
-            <a:endParaRPr lang="en-US" altLang="ko-KR" dirty="0" smtClean="0">
-              <a:latin typeface="에스코어 드림 4 Regular" panose="020B0503030302020204" pitchFamily="34" charset="-127"/>
-              <a:ea typeface="에스코어 드림 4 Regular" panose="020B0503030302020204" pitchFamily="34" charset="-127"/>
-            </a:endParaRPr>
-          </a:p>
-          <a:p>
+              <a:rPr lang="en-US" altLang="ko-KR" dirty="0">
+                <a:latin typeface="에스코어 드림 4 Regular" panose="020B0503030302020204" pitchFamily="34" charset="-127"/>
+                <a:ea typeface="에스코어 드림 4 Regular" panose="020B0503030302020204" pitchFamily="34" charset="-127"/>
+              </a:rPr>
+              <a:t> </a:t>
+            </a:r>
+            <a:r>
+              <a:rPr lang="en-US" altLang="ko-KR" dirty="0">
+                <a:latin typeface="에스코어 드림 4 Regular" panose="020B0503030302020204" pitchFamily="34" charset="-127"/>
+                <a:ea typeface="에스코어 드림 4 Regular" panose="020B0503030302020204" pitchFamily="34" charset="-127"/>
+                <a:sym typeface="Wingdings" panose="05000000000000000000" pitchFamily="2" charset="2"/>
+              </a:rPr>
+              <a:t> </a:t>
+            </a:r>
+            <a:r>
+              <a:rPr lang="ko-KR" altLang="en-US" dirty="0">
+                <a:latin typeface="에스코어 드림 4 Regular" panose="020B0503030302020204" pitchFamily="34" charset="-127"/>
+                <a:ea typeface="에스코어 드림 4 Regular" panose="020B0503030302020204" pitchFamily="34" charset="-127"/>
+                <a:sym typeface="Wingdings" panose="05000000000000000000" pitchFamily="2" charset="2"/>
+              </a:rPr>
+              <a:t>웹통신기법을 활용한 서버</a:t>
+            </a:r>
             <a:endParaRPr lang="en-US" altLang="ko-KR" dirty="0">
               <a:latin typeface="에스코어 드림 4 Regular" panose="020B0503030302020204" pitchFamily="34" charset="-127"/>
               <a:ea typeface="에스코어 드림 4 Regular" panose="020B0503030302020204" pitchFamily="34" charset="-127"/>
             </a:endParaRPr>
           </a:p>
           <a:p>
-            <a:r>
-              <a:rPr lang="ko-KR" altLang="en-US" dirty="0" smtClean="0">
-                <a:latin typeface="에스코어 드림 4 Regular" panose="020B0503030302020204" pitchFamily="34" charset="-127"/>
-                <a:ea typeface="에스코어 드림 4 Regular" panose="020B0503030302020204" pitchFamily="34" charset="-127"/>
-              </a:rPr>
-              <a:t>통신규약</a:t>
-            </a:r>
-            <a:r>
-              <a:rPr lang="en-US" altLang="ko-KR" dirty="0" smtClean="0">
-                <a:latin typeface="에스코어 드림 4 Regular" panose="020B0503030302020204" pitchFamily="34" charset="-127"/>
-                <a:ea typeface="에스코어 드림 4 Regular" panose="020B0503030302020204" pitchFamily="34" charset="-127"/>
-              </a:rPr>
-              <a:t>://</a:t>
-            </a:r>
-            <a:r>
-              <a:rPr lang="en-US" altLang="ko-KR" dirty="0" err="1" smtClean="0">
-                <a:latin typeface="에스코어 드림 4 Regular" panose="020B0503030302020204" pitchFamily="34" charset="-127"/>
-                <a:ea typeface="에스코어 드림 4 Regular" panose="020B0503030302020204" pitchFamily="34" charset="-127"/>
-              </a:rPr>
-              <a:t>IP:Port</a:t>
-            </a:r>
-            <a:endParaRPr lang="en-US" altLang="ko-KR" dirty="0" smtClean="0">
-              <a:latin typeface="에스코어 드림 4 Regular" panose="020B0503030302020204" pitchFamily="34" charset="-127"/>
-              <a:ea typeface="에스코어 드림 4 Regular" panose="020B0503030302020204" pitchFamily="34" charset="-127"/>
-            </a:endParaRPr>
-          </a:p>
-          <a:p>
             <a:endParaRPr lang="en-US" altLang="ko-KR" dirty="0">
               <a:latin typeface="에스코어 드림 4 Regular" panose="020B0503030302020204" pitchFamily="34" charset="-127"/>
               <a:ea typeface="에스코어 드림 4 Regular" panose="020B0503030302020204" pitchFamily="34" charset="-127"/>
             </a:endParaRPr>
           </a:p>
           <a:p>
-            <a:r>
-              <a:rPr lang="ko-KR" altLang="en-US" dirty="0" smtClean="0">
-                <a:latin typeface="에스코어 드림 4 Regular" panose="020B0503030302020204" pitchFamily="34" charset="-127"/>
-                <a:ea typeface="에스코어 드림 4 Regular" panose="020B0503030302020204" pitchFamily="34" charset="-127"/>
-              </a:rPr>
-              <a:t>이 형태로 통신이 이루어집니다</a:t>
-            </a:r>
-            <a:r>
-              <a:rPr lang="en-US" altLang="ko-KR" dirty="0" smtClean="0">
-                <a:latin typeface="에스코어 드림 4 Regular" panose="020B0503030302020204" pitchFamily="34" charset="-127"/>
-                <a:ea typeface="에스코어 드림 4 Regular" panose="020B0503030302020204" pitchFamily="34" charset="-127"/>
-              </a:rPr>
-              <a:t>.</a:t>
-            </a:r>
-          </a:p>
-          <a:p>
             <a:endParaRPr lang="en-US" altLang="ko-KR" dirty="0">
               <a:latin typeface="에스코어 드림 4 Regular" panose="020B0503030302020204" pitchFamily="34" charset="-127"/>
               <a:ea typeface="에스코어 드림 4 Regular" panose="020B0503030302020204" pitchFamily="34" charset="-127"/>
@@ -3970,111 +3825,228 @@
           </a:p>
           <a:p>
             <a:r>
-              <a:rPr lang="en-US" altLang="ko-KR" dirty="0" smtClean="0">
-                <a:latin typeface="에스코어 드림 4 Regular" panose="020B0503030302020204" pitchFamily="34" charset="-127"/>
-                <a:ea typeface="에스코어 드림 4 Regular" panose="020B0503030302020204" pitchFamily="34" charset="-127"/>
-              </a:rPr>
-              <a:t>http(s) : </a:t>
-            </a:r>
-            <a:r>
-              <a:rPr lang="ko-KR" altLang="en-US" dirty="0" err="1" smtClean="0">
-                <a:latin typeface="에스코어 드림 4 Regular" panose="020B0503030302020204" pitchFamily="34" charset="-127"/>
-                <a:ea typeface="에스코어 드림 4 Regular" panose="020B0503030302020204" pitchFamily="34" charset="-127"/>
-              </a:rPr>
-              <a:t>웹통신을</a:t>
-            </a:r>
-            <a:r>
-              <a:rPr lang="ko-KR" altLang="en-US" dirty="0" smtClean="0">
-                <a:latin typeface="에스코어 드림 4 Regular" panose="020B0503030302020204" pitchFamily="34" charset="-127"/>
-                <a:ea typeface="에스코어 드림 4 Regular" panose="020B0503030302020204" pitchFamily="34" charset="-127"/>
-              </a:rPr>
-              <a:t> </a:t>
-            </a:r>
-            <a:r>
-              <a:rPr lang="ko-KR" altLang="en-US" dirty="0" err="1" smtClean="0">
-                <a:latin typeface="에스코어 드림 4 Regular" panose="020B0503030302020204" pitchFamily="34" charset="-127"/>
-                <a:ea typeface="에스코어 드림 4 Regular" panose="020B0503030302020204" pitchFamily="34" charset="-127"/>
-              </a:rPr>
-              <a:t>만든사람이</a:t>
-            </a:r>
-            <a:r>
-              <a:rPr lang="ko-KR" altLang="en-US" dirty="0" smtClean="0">
-                <a:latin typeface="에스코어 드림 4 Regular" panose="020B0503030302020204" pitchFamily="34" charset="-127"/>
-                <a:ea typeface="에스코어 드림 4 Regular" panose="020B0503030302020204" pitchFamily="34" charset="-127"/>
-              </a:rPr>
-              <a:t> 정한 통신 규약 명</a:t>
-            </a:r>
-            <a:endParaRPr lang="en-US" altLang="ko-KR" dirty="0" smtClean="0">
-              <a:latin typeface="에스코어 드림 4 Regular" panose="020B0503030302020204" pitchFamily="34" charset="-127"/>
-              <a:ea typeface="에스코어 드림 4 Regular" panose="020B0503030302020204" pitchFamily="34" charset="-127"/>
-            </a:endParaRPr>
-          </a:p>
-          <a:p>
-            <a:r>
-              <a:rPr lang="en-US" altLang="ko-KR" dirty="0" smtClean="0">
-                <a:latin typeface="에스코어 드림 4 Regular" panose="020B0503030302020204" pitchFamily="34" charset="-127"/>
-                <a:ea typeface="에스코어 드림 4 Regular" panose="020B0503030302020204" pitchFamily="34" charset="-127"/>
-              </a:rPr>
-              <a:t>s =&gt; secure</a:t>
-            </a:r>
+              <a:rPr lang="en-US" altLang="ko-KR" dirty="0">
+                <a:latin typeface="에스코어 드림 4 Regular" panose="020B0503030302020204" pitchFamily="34" charset="-127"/>
+                <a:ea typeface="에스코어 드림 4 Regular" panose="020B0503030302020204" pitchFamily="34" charset="-127"/>
+              </a:rPr>
+              <a:t>[</a:t>
+            </a:r>
+            <a:r>
+              <a:rPr lang="ko-KR" altLang="en-US" dirty="0">
+                <a:latin typeface="에스코어 드림 4 Regular" panose="020B0503030302020204" pitchFamily="34" charset="-127"/>
+                <a:ea typeface="에스코어 드림 4 Regular" panose="020B0503030302020204" pitchFamily="34" charset="-127"/>
+              </a:rPr>
+              <a:t>데이터 통신방식들이 웹과 동일합니다</a:t>
+            </a:r>
+            <a:r>
+              <a:rPr lang="en-US" altLang="ko-KR" dirty="0">
+                <a:latin typeface="에스코어 드림 4 Regular" panose="020B0503030302020204" pitchFamily="34" charset="-127"/>
+                <a:ea typeface="에스코어 드림 4 Regular" panose="020B0503030302020204" pitchFamily="34" charset="-127"/>
+              </a:rPr>
+              <a:t>.]</a:t>
+            </a:r>
+          </a:p>
+          <a:p>
             <a:endParaRPr lang="en-US" altLang="ko-KR" dirty="0">
               <a:latin typeface="에스코어 드림 4 Regular" panose="020B0503030302020204" pitchFamily="34" charset="-127"/>
               <a:ea typeface="에스코어 드림 4 Regular" panose="020B0503030302020204" pitchFamily="34" charset="-127"/>
             </a:endParaRPr>
           </a:p>
           <a:p>
-            <a:endParaRPr lang="en-US" altLang="ko-KR" dirty="0" smtClean="0">
+            <a:r>
+              <a:rPr lang="en-US" altLang="ko-KR" dirty="0">
+                <a:latin typeface="에스코어 드림 4 Regular" panose="020B0503030302020204" pitchFamily="34" charset="-127"/>
+                <a:ea typeface="에스코어 드림 4 Regular" panose="020B0503030302020204" pitchFamily="34" charset="-127"/>
+              </a:rPr>
+              <a:t>https:// &lt;&lt; web</a:t>
+            </a:r>
+            <a:r>
+              <a:rPr lang="ko-KR" altLang="en-US" dirty="0">
+                <a:latin typeface="에스코어 드림 4 Regular" panose="020B0503030302020204" pitchFamily="34" charset="-127"/>
+                <a:ea typeface="에스코어 드림 4 Regular" panose="020B0503030302020204" pitchFamily="34" charset="-127"/>
+              </a:rPr>
+              <a:t>통신 규약</a:t>
+            </a:r>
+            <a:endParaRPr lang="en-US" altLang="ko-KR" dirty="0">
               <a:latin typeface="에스코어 드림 4 Regular" panose="020B0503030302020204" pitchFamily="34" charset="-127"/>
               <a:ea typeface="에스코어 드림 4 Regular" panose="020B0503030302020204" pitchFamily="34" charset="-127"/>
             </a:endParaRPr>
           </a:p>
           <a:p>
-            <a:r>
-              <a:rPr lang="en-US" altLang="ko-KR" dirty="0" smtClean="0">
-                <a:latin typeface="에스코어 드림 4 Regular" panose="020B0503030302020204" pitchFamily="34" charset="-127"/>
-                <a:ea typeface="에스코어 드림 4 Regular" panose="020B0503030302020204" pitchFamily="34" charset="-127"/>
-                <a:hlinkClick r:id="rId2"/>
-              </a:rPr>
-              <a:t>https://</a:t>
-            </a:r>
-            <a:r>
-              <a:rPr lang="en-US" altLang="ko-KR" dirty="0" smtClean="0">
-                <a:latin typeface="에스코어 드림 4 Regular" panose="020B0503030302020204" pitchFamily="34" charset="-127"/>
-                <a:ea typeface="에스코어 드림 4 Regular" panose="020B0503030302020204" pitchFamily="34" charset="-127"/>
-                <a:hlinkClick r:id="rId2"/>
-              </a:rPr>
-              <a:t>IP</a:t>
-            </a:r>
-            <a:r>
-              <a:rPr lang="en-US" altLang="ko-KR" dirty="0" smtClean="0">
-                <a:latin typeface="에스코어 드림 4 Regular" panose="020B0503030302020204" pitchFamily="34" charset="-127"/>
-                <a:ea typeface="에스코어 드림 4 Regular" panose="020B0503030302020204" pitchFamily="34" charset="-127"/>
-              </a:rPr>
-              <a:t>:</a:t>
-            </a:r>
-            <a:r>
-              <a:rPr lang="ko-KR" altLang="en-US" dirty="0" err="1" smtClean="0">
-                <a:latin typeface="에스코어 드림 4 Regular" panose="020B0503030302020204" pitchFamily="34" charset="-127"/>
-                <a:ea typeface="에스코어 드림 4 Regular" panose="020B0503030302020204" pitchFamily="34" charset="-127"/>
-              </a:rPr>
-              <a:t>통신포트</a:t>
-            </a:r>
-            <a:endParaRPr lang="en-US" altLang="ko-KR" dirty="0" smtClean="0">
+            <a:endParaRPr lang="en-US" altLang="ko-KR" dirty="0">
               <a:latin typeface="에스코어 드림 4 Regular" panose="020B0503030302020204" pitchFamily="34" charset="-127"/>
               <a:ea typeface="에스코어 드림 4 Regular" panose="020B0503030302020204" pitchFamily="34" charset="-127"/>
             </a:endParaRPr>
           </a:p>
           <a:p>
             <a:r>
-              <a:rPr lang="en-US" altLang="ko-KR" dirty="0" smtClean="0">
-                <a:latin typeface="에스코어 드림 4 Regular" panose="020B0503030302020204" pitchFamily="34" charset="-127"/>
-                <a:ea typeface="에스코어 드림 4 Regular" panose="020B0503030302020204" pitchFamily="34" charset="-127"/>
-              </a:rPr>
-              <a:t>https://www.naver.com</a:t>
-            </a:r>
-          </a:p>
-          <a:p>
-            <a:endParaRPr lang="en-US" altLang="ko-KR" dirty="0" smtClean="0">
+              <a:rPr lang="ko-KR" altLang="en-US" dirty="0">
+                <a:latin typeface="에스코어 드림 4 Regular" panose="020B0503030302020204" pitchFamily="34" charset="-127"/>
+                <a:ea typeface="에스코어 드림 4 Regular" panose="020B0503030302020204" pitchFamily="34" charset="-127"/>
+              </a:rPr>
+              <a:t>대부분의 통신은</a:t>
+            </a:r>
+            <a:endParaRPr lang="en-US" altLang="ko-KR" dirty="0">
+              <a:latin typeface="에스코어 드림 4 Regular" panose="020B0503030302020204" pitchFamily="34" charset="-127"/>
+              <a:ea typeface="에스코어 드림 4 Regular" panose="020B0503030302020204" pitchFamily="34" charset="-127"/>
+            </a:endParaRPr>
+          </a:p>
+          <a:p>
+            <a:endParaRPr lang="en-US" altLang="ko-KR" dirty="0">
+              <a:latin typeface="에스코어 드림 4 Regular" panose="020B0503030302020204" pitchFamily="34" charset="-127"/>
+              <a:ea typeface="에스코어 드림 4 Regular" panose="020B0503030302020204" pitchFamily="34" charset="-127"/>
+            </a:endParaRPr>
+          </a:p>
+          <a:p>
+            <a:r>
+              <a:rPr lang="ko-KR" altLang="en-US" dirty="0">
+                <a:latin typeface="에스코어 드림 4 Regular" panose="020B0503030302020204" pitchFamily="34" charset="-127"/>
+                <a:ea typeface="에스코어 드림 4 Regular" panose="020B0503030302020204" pitchFamily="34" charset="-127"/>
+              </a:rPr>
+              <a:t>통신규약</a:t>
+            </a:r>
+            <a:r>
+              <a:rPr lang="en-US" altLang="ko-KR" dirty="0">
+                <a:latin typeface="에스코어 드림 4 Regular" panose="020B0503030302020204" pitchFamily="34" charset="-127"/>
+                <a:ea typeface="에스코어 드림 4 Regular" panose="020B0503030302020204" pitchFamily="34" charset="-127"/>
+              </a:rPr>
+              <a:t>://</a:t>
+            </a:r>
+            <a:r>
+              <a:rPr lang="en-US" altLang="ko-KR" dirty="0" err="1">
+                <a:latin typeface="에스코어 드림 4 Regular" panose="020B0503030302020204" pitchFamily="34" charset="-127"/>
+                <a:ea typeface="에스코어 드림 4 Regular" panose="020B0503030302020204" pitchFamily="34" charset="-127"/>
+              </a:rPr>
+              <a:t>IP:Port</a:t>
+            </a:r>
+            <a:endParaRPr lang="en-US" altLang="ko-KR" dirty="0">
+              <a:latin typeface="에스코어 드림 4 Regular" panose="020B0503030302020204" pitchFamily="34" charset="-127"/>
+              <a:ea typeface="에스코어 드림 4 Regular" panose="020B0503030302020204" pitchFamily="34" charset="-127"/>
+            </a:endParaRPr>
+          </a:p>
+          <a:p>
+            <a:endParaRPr lang="en-US" altLang="ko-KR" dirty="0">
+              <a:latin typeface="에스코어 드림 4 Regular" panose="020B0503030302020204" pitchFamily="34" charset="-127"/>
+              <a:ea typeface="에스코어 드림 4 Regular" panose="020B0503030302020204" pitchFamily="34" charset="-127"/>
+            </a:endParaRPr>
+          </a:p>
+          <a:p>
+            <a:r>
+              <a:rPr lang="ko-KR" altLang="en-US" dirty="0">
+                <a:latin typeface="에스코어 드림 4 Regular" panose="020B0503030302020204" pitchFamily="34" charset="-127"/>
+                <a:ea typeface="에스코어 드림 4 Regular" panose="020B0503030302020204" pitchFamily="34" charset="-127"/>
+              </a:rPr>
+              <a:t>이 형태로 통신이 이루어집니다</a:t>
+            </a:r>
+            <a:r>
+              <a:rPr lang="en-US" altLang="ko-KR" dirty="0">
+                <a:latin typeface="에스코어 드림 4 Regular" panose="020B0503030302020204" pitchFamily="34" charset="-127"/>
+                <a:ea typeface="에스코어 드림 4 Regular" panose="020B0503030302020204" pitchFamily="34" charset="-127"/>
+              </a:rPr>
+              <a:t>.</a:t>
+            </a:r>
+          </a:p>
+          <a:p>
+            <a:endParaRPr lang="en-US" altLang="ko-KR" dirty="0">
+              <a:latin typeface="에스코어 드림 4 Regular" panose="020B0503030302020204" pitchFamily="34" charset="-127"/>
+              <a:ea typeface="에스코어 드림 4 Regular" panose="020B0503030302020204" pitchFamily="34" charset="-127"/>
+            </a:endParaRPr>
+          </a:p>
+          <a:p>
+            <a:r>
+              <a:rPr lang="en-US" altLang="ko-KR" dirty="0">
+                <a:latin typeface="에스코어 드림 4 Regular" panose="020B0503030302020204" pitchFamily="34" charset="-127"/>
+                <a:ea typeface="에스코어 드림 4 Regular" panose="020B0503030302020204" pitchFamily="34" charset="-127"/>
+              </a:rPr>
+              <a:t>http(s) : </a:t>
+            </a:r>
+            <a:r>
+              <a:rPr lang="ko-KR" altLang="en-US" dirty="0" err="1">
+                <a:latin typeface="에스코어 드림 4 Regular" panose="020B0503030302020204" pitchFamily="34" charset="-127"/>
+                <a:ea typeface="에스코어 드림 4 Regular" panose="020B0503030302020204" pitchFamily="34" charset="-127"/>
+              </a:rPr>
+              <a:t>웹통신을</a:t>
+            </a:r>
+            <a:r>
+              <a:rPr lang="ko-KR" altLang="en-US" dirty="0">
+                <a:latin typeface="에스코어 드림 4 Regular" panose="020B0503030302020204" pitchFamily="34" charset="-127"/>
+                <a:ea typeface="에스코어 드림 4 Regular" panose="020B0503030302020204" pitchFamily="34" charset="-127"/>
+              </a:rPr>
+              <a:t> </a:t>
+            </a:r>
+            <a:r>
+              <a:rPr lang="ko-KR" altLang="en-US" dirty="0" err="1">
+                <a:latin typeface="에스코어 드림 4 Regular" panose="020B0503030302020204" pitchFamily="34" charset="-127"/>
+                <a:ea typeface="에스코어 드림 4 Regular" panose="020B0503030302020204" pitchFamily="34" charset="-127"/>
+              </a:rPr>
+              <a:t>만든사람이</a:t>
+            </a:r>
+            <a:r>
+              <a:rPr lang="ko-KR" altLang="en-US" dirty="0">
+                <a:latin typeface="에스코어 드림 4 Regular" panose="020B0503030302020204" pitchFamily="34" charset="-127"/>
+                <a:ea typeface="에스코어 드림 4 Regular" panose="020B0503030302020204" pitchFamily="34" charset="-127"/>
+              </a:rPr>
+              <a:t> 정한 통신 규약 명</a:t>
+            </a:r>
+            <a:endParaRPr lang="en-US" altLang="ko-KR" dirty="0">
+              <a:latin typeface="에스코어 드림 4 Regular" panose="020B0503030302020204" pitchFamily="34" charset="-127"/>
+              <a:ea typeface="에스코어 드림 4 Regular" panose="020B0503030302020204" pitchFamily="34" charset="-127"/>
+            </a:endParaRPr>
+          </a:p>
+          <a:p>
+            <a:r>
+              <a:rPr lang="en-US" altLang="ko-KR" dirty="0">
+                <a:latin typeface="에스코어 드림 4 Regular" panose="020B0503030302020204" pitchFamily="34" charset="-127"/>
+                <a:ea typeface="에스코어 드림 4 Regular" panose="020B0503030302020204" pitchFamily="34" charset="-127"/>
+              </a:rPr>
+              <a:t>s =&gt; secure</a:t>
+            </a:r>
+          </a:p>
+          <a:p>
+            <a:endParaRPr lang="en-US" altLang="ko-KR" dirty="0">
+              <a:latin typeface="에스코어 드림 4 Regular" panose="020B0503030302020204" pitchFamily="34" charset="-127"/>
+              <a:ea typeface="에스코어 드림 4 Regular" panose="020B0503030302020204" pitchFamily="34" charset="-127"/>
+            </a:endParaRPr>
+          </a:p>
+          <a:p>
+            <a:r>
+              <a:rPr lang="en-US" altLang="ko-KR" dirty="0">
+                <a:latin typeface="에스코어 드림 4 Regular" panose="020B0503030302020204" pitchFamily="34" charset="-127"/>
+                <a:ea typeface="에스코어 드림 4 Regular" panose="020B0503030302020204" pitchFamily="34" charset="-127"/>
+                <a:hlinkClick r:id="rId2"/>
+              </a:rPr>
+              <a:t>https://IP</a:t>
+            </a:r>
+            <a:r>
+              <a:rPr lang="en-US" altLang="ko-KR" dirty="0">
+                <a:latin typeface="에스코어 드림 4 Regular" panose="020B0503030302020204" pitchFamily="34" charset="-127"/>
+                <a:ea typeface="에스코어 드림 4 Regular" panose="020B0503030302020204" pitchFamily="34" charset="-127"/>
+              </a:rPr>
+              <a:t>:</a:t>
+            </a:r>
+            <a:r>
+              <a:rPr lang="ko-KR" altLang="en-US" dirty="0" err="1">
+                <a:latin typeface="에스코어 드림 4 Regular" panose="020B0503030302020204" pitchFamily="34" charset="-127"/>
+                <a:ea typeface="에스코어 드림 4 Regular" panose="020B0503030302020204" pitchFamily="34" charset="-127"/>
+              </a:rPr>
+              <a:t>통신포트</a:t>
+            </a:r>
+            <a:endParaRPr lang="en-US" altLang="ko-KR" dirty="0">
+              <a:latin typeface="에스코어 드림 4 Regular" panose="020B0503030302020204" pitchFamily="34" charset="-127"/>
+              <a:ea typeface="에스코어 드림 4 Regular" panose="020B0503030302020204" pitchFamily="34" charset="-127"/>
+            </a:endParaRPr>
+          </a:p>
+          <a:p>
+            <a:r>
+              <a:rPr lang="en-US" altLang="ko-KR" dirty="0">
+                <a:latin typeface="에스코어 드림 4 Regular" panose="020B0503030302020204" pitchFamily="34" charset="-127"/>
+                <a:ea typeface="에스코어 드림 4 Regular" panose="020B0503030302020204" pitchFamily="34" charset="-127"/>
+              </a:rPr>
+              <a:t>Ex) https://www.naver.com</a:t>
+            </a:r>
+          </a:p>
+          <a:p>
+            <a:endParaRPr lang="en-US" altLang="ko-KR" dirty="0">
               <a:latin typeface="에스코어 드림 4 Regular" panose="020B0503030302020204" pitchFamily="34" charset="-127"/>
               <a:ea typeface="에스코어 드림 4 Regular" panose="020B0503030302020204" pitchFamily="34" charset="-127"/>
             </a:endParaRPr>
@@ -4090,7 +4062,7 @@
         <p:spPr>
           <a:xfrm>
             <a:off x="5976851" y="1454727"/>
-            <a:ext cx="3796232" cy="4185761"/>
+            <a:ext cx="3845925" cy="4401205"/>
           </a:xfrm>
           <a:prstGeom prst="rect">
             <a:avLst/>
@@ -4104,7 +4076,7 @@
           <a:lstStyle/>
           <a:p>
             <a:r>
-              <a:rPr lang="en-US" altLang="ko-KR" sz="1400" dirty="0" smtClean="0">
+              <a:rPr lang="en-US" altLang="ko-KR" sz="1400" dirty="0">
                 <a:latin typeface="에스코어 드림 4 Regular" panose="020B0503030302020204" pitchFamily="34" charset="-127"/>
                 <a:ea typeface="에스코어 드림 4 Regular" panose="020B0503030302020204" pitchFamily="34" charset="-127"/>
               </a:rPr>
@@ -4118,72 +4090,6 @@
             </a:endParaRPr>
           </a:p>
           <a:p>
-            <a:endParaRPr lang="en-US" altLang="ko-KR" sz="1400" dirty="0" smtClean="0">
-              <a:latin typeface="에스코어 드림 4 Regular" panose="020B0503030302020204" pitchFamily="34" charset="-127"/>
-              <a:ea typeface="에스코어 드림 4 Regular" panose="020B0503030302020204" pitchFamily="34" charset="-127"/>
-            </a:endParaRPr>
-          </a:p>
-          <a:p>
-            <a:r>
-              <a:rPr lang="en-US" altLang="ko-KR" sz="1400" dirty="0" smtClean="0">
-                <a:latin typeface="에스코어 드림 4 Regular" panose="020B0503030302020204" pitchFamily="34" charset="-127"/>
-                <a:ea typeface="에스코어 드림 4 Regular" panose="020B0503030302020204" pitchFamily="34" charset="-127"/>
-                <a:hlinkClick r:id="rId3"/>
-              </a:rPr>
-              <a:t>https://</a:t>
-            </a:r>
-            <a:r>
-              <a:rPr lang="en-US" altLang="ko-KR" sz="1400" dirty="0" smtClean="0">
-                <a:latin typeface="에스코어 드림 4 Regular" panose="020B0503030302020204" pitchFamily="34" charset="-127"/>
-                <a:ea typeface="에스코어 드림 4 Regular" panose="020B0503030302020204" pitchFamily="34" charset="-127"/>
-                <a:hlinkClick r:id="rId3"/>
-              </a:rPr>
-              <a:t>150.154.654.187</a:t>
-            </a:r>
-            <a:endParaRPr lang="en-US" altLang="ko-KR" sz="1400" dirty="0" smtClean="0">
-              <a:latin typeface="에스코어 드림 4 Regular" panose="020B0503030302020204" pitchFamily="34" charset="-127"/>
-              <a:ea typeface="에스코어 드림 4 Regular" panose="020B0503030302020204" pitchFamily="34" charset="-127"/>
-            </a:endParaRPr>
-          </a:p>
-          <a:p>
-            <a:r>
-              <a:rPr lang="en-US" altLang="ko-KR" sz="1400" dirty="0">
-                <a:latin typeface="에스코어 드림 4 Regular" panose="020B0503030302020204" pitchFamily="34" charset="-127"/>
-                <a:ea typeface="에스코어 드림 4 Regular" panose="020B0503030302020204" pitchFamily="34" charset="-127"/>
-              </a:rPr>
-              <a:t> </a:t>
-            </a:r>
-            <a:r>
-              <a:rPr lang="en-US" altLang="ko-KR" sz="1400" dirty="0" smtClean="0">
-                <a:latin typeface="에스코어 드림 4 Regular" panose="020B0503030302020204" pitchFamily="34" charset="-127"/>
-                <a:ea typeface="에스코어 드림 4 Regular" panose="020B0503030302020204" pitchFamily="34" charset="-127"/>
-                <a:sym typeface="Wingdings" panose="05000000000000000000" pitchFamily="2" charset="2"/>
-              </a:rPr>
-              <a:t> </a:t>
-            </a:r>
-            <a:r>
-              <a:rPr lang="en-US" altLang="ko-KR" sz="1400" dirty="0" smtClean="0">
-                <a:latin typeface="에스코어 드림 4 Regular" panose="020B0503030302020204" pitchFamily="34" charset="-127"/>
-                <a:ea typeface="에스코어 드림 4 Regular" panose="020B0503030302020204" pitchFamily="34" charset="-127"/>
-              </a:rPr>
-              <a:t>150.154.654.187 </a:t>
-            </a:r>
-            <a:r>
-              <a:rPr lang="ko-KR" altLang="en-US" sz="1400" dirty="0" smtClean="0">
-                <a:latin typeface="에스코어 드림 4 Regular" panose="020B0503030302020204" pitchFamily="34" charset="-127"/>
-                <a:ea typeface="에스코어 드림 4 Regular" panose="020B0503030302020204" pitchFamily="34" charset="-127"/>
-              </a:rPr>
-              <a:t>에 이름을 붙입니다</a:t>
-            </a:r>
-            <a:r>
-              <a:rPr lang="en-US" altLang="ko-KR" sz="1400" dirty="0" smtClean="0">
-                <a:latin typeface="에스코어 드림 4 Regular" panose="020B0503030302020204" pitchFamily="34" charset="-127"/>
-                <a:ea typeface="에스코어 드림 4 Regular" panose="020B0503030302020204" pitchFamily="34" charset="-127"/>
-              </a:rPr>
-              <a:t>.</a:t>
-            </a:r>
-          </a:p>
-          <a:p>
             <a:endParaRPr lang="en-US" altLang="ko-KR" sz="1400" dirty="0">
               <a:latin typeface="에스코어 드림 4 Regular" panose="020B0503030302020204" pitchFamily="34" charset="-127"/>
               <a:ea typeface="에스코어 드림 4 Regular" panose="020B0503030302020204" pitchFamily="34" charset="-127"/>
@@ -4191,7 +4097,65 @@
           </a:p>
           <a:p>
             <a:r>
-              <a:rPr lang="en-US" altLang="ko-KR" sz="1400" dirty="0" smtClean="0">
+              <a:rPr lang="en-US" altLang="ko-KR" sz="1400" dirty="0">
+                <a:latin typeface="에스코어 드림 4 Regular" panose="020B0503030302020204" pitchFamily="34" charset="-127"/>
+                <a:ea typeface="에스코어 드림 4 Regular" panose="020B0503030302020204" pitchFamily="34" charset="-127"/>
+                <a:hlinkClick r:id="rId3"/>
+              </a:rPr>
+              <a:t>https://150.154.654.187</a:t>
+            </a:r>
+            <a:endParaRPr lang="en-US" altLang="ko-KR" sz="1400" dirty="0">
+              <a:latin typeface="에스코어 드림 4 Regular" panose="020B0503030302020204" pitchFamily="34" charset="-127"/>
+              <a:ea typeface="에스코어 드림 4 Regular" panose="020B0503030302020204" pitchFamily="34" charset="-127"/>
+            </a:endParaRPr>
+          </a:p>
+          <a:p>
+            <a:r>
+              <a:rPr lang="en-US" altLang="ko-KR" sz="1400" dirty="0">
+                <a:latin typeface="에스코어 드림 4 Regular" panose="020B0503030302020204" pitchFamily="34" charset="-127"/>
+                <a:ea typeface="에스코어 드림 4 Regular" panose="020B0503030302020204" pitchFamily="34" charset="-127"/>
+              </a:rPr>
+              <a:t> </a:t>
+            </a:r>
+            <a:r>
+              <a:rPr lang="en-US" altLang="ko-KR" sz="1400" dirty="0">
+                <a:latin typeface="에스코어 드림 4 Regular" panose="020B0503030302020204" pitchFamily="34" charset="-127"/>
+                <a:ea typeface="에스코어 드림 4 Regular" panose="020B0503030302020204" pitchFamily="34" charset="-127"/>
+                <a:sym typeface="Wingdings" panose="05000000000000000000" pitchFamily="2" charset="2"/>
+              </a:rPr>
+              <a:t> </a:t>
+            </a:r>
+            <a:r>
+              <a:rPr lang="en-US" altLang="ko-KR" sz="1400" dirty="0">
+                <a:latin typeface="에스코어 드림 4 Regular" panose="020B0503030302020204" pitchFamily="34" charset="-127"/>
+                <a:ea typeface="에스코어 드림 4 Regular" panose="020B0503030302020204" pitchFamily="34" charset="-127"/>
+              </a:rPr>
+              <a:t>150.154.654.187 </a:t>
+            </a:r>
+            <a:r>
+              <a:rPr lang="ko-KR" altLang="en-US" sz="1400" dirty="0">
+                <a:latin typeface="에스코어 드림 4 Regular" panose="020B0503030302020204" pitchFamily="34" charset="-127"/>
+                <a:ea typeface="에스코어 드림 4 Regular" panose="020B0503030302020204" pitchFamily="34" charset="-127"/>
+              </a:rPr>
+              <a:t>에 이름을 붙입니다</a:t>
+            </a:r>
+            <a:r>
+              <a:rPr lang="en-US" altLang="ko-KR" sz="1400" dirty="0">
+                <a:latin typeface="에스코어 드림 4 Regular" panose="020B0503030302020204" pitchFamily="34" charset="-127"/>
+                <a:ea typeface="에스코어 드림 4 Regular" panose="020B0503030302020204" pitchFamily="34" charset="-127"/>
+              </a:rPr>
+              <a:t>.</a:t>
+            </a:r>
+          </a:p>
+          <a:p>
+            <a:endParaRPr lang="en-US" altLang="ko-KR" sz="1400" dirty="0">
+              <a:latin typeface="에스코어 드림 4 Regular" panose="020B0503030302020204" pitchFamily="34" charset="-127"/>
+              <a:ea typeface="에스코어 드림 4 Regular" panose="020B0503030302020204" pitchFamily="34" charset="-127"/>
+            </a:endParaRPr>
+          </a:p>
+          <a:p>
+            <a:r>
+              <a:rPr lang="en-US" altLang="ko-KR" sz="1400" dirty="0">
                 <a:solidFill>
                   <a:srgbClr val="FF0000"/>
                 </a:solidFill>
@@ -4201,7 +4165,7 @@
               <a:t>[</a:t>
             </a:r>
             <a:r>
-              <a:rPr lang="ko-KR" altLang="en-US" sz="1400" dirty="0" smtClean="0">
+              <a:rPr lang="ko-KR" altLang="en-US" sz="1400" dirty="0">
                 <a:solidFill>
                   <a:srgbClr val="FF0000"/>
                 </a:solidFill>
@@ -4211,7 +4175,7 @@
               <a:t>도메인</a:t>
             </a:r>
             <a:r>
-              <a:rPr lang="en-US" altLang="ko-KR" sz="1400" dirty="0" smtClean="0">
+              <a:rPr lang="en-US" altLang="ko-KR" sz="1400" dirty="0">
                 <a:solidFill>
                   <a:srgbClr val="FF0000"/>
                 </a:solidFill>
@@ -4230,110 +4194,13 @@
               <a:t> </a:t>
             </a:r>
             <a:r>
-              <a:rPr lang="en-US" altLang="ko-KR" sz="1400" dirty="0" smtClean="0">
+              <a:rPr lang="en-US" altLang="ko-KR" sz="1400" dirty="0">
                 <a:latin typeface="에스코어 드림 4 Regular" panose="020B0503030302020204" pitchFamily="34" charset="-127"/>
                 <a:ea typeface="에스코어 드림 4 Regular" panose="020B0503030302020204" pitchFamily="34" charset="-127"/>
                 <a:hlinkClick r:id="rId4"/>
               </a:rPr>
               <a:t>www.naver.com</a:t>
             </a:r>
-            <a:endParaRPr lang="en-US" altLang="ko-KR" sz="1400" dirty="0" smtClean="0">
-              <a:latin typeface="에스코어 드림 4 Regular" panose="020B0503030302020204" pitchFamily="34" charset="-127"/>
-              <a:ea typeface="에스코어 드림 4 Regular" panose="020B0503030302020204" pitchFamily="34" charset="-127"/>
-            </a:endParaRPr>
-          </a:p>
-          <a:p>
-            <a:r>
-              <a:rPr lang="en-US" altLang="ko-KR" sz="1400" dirty="0">
-                <a:latin typeface="에스코어 드림 4 Regular" panose="020B0503030302020204" pitchFamily="34" charset="-127"/>
-                <a:ea typeface="에스코어 드림 4 Regular" panose="020B0503030302020204" pitchFamily="34" charset="-127"/>
-              </a:rPr>
-              <a:t> </a:t>
-            </a:r>
-            <a:endParaRPr lang="en-US" altLang="ko-KR" sz="1400" dirty="0" smtClean="0">
-              <a:latin typeface="에스코어 드림 4 Regular" panose="020B0503030302020204" pitchFamily="34" charset="-127"/>
-              <a:ea typeface="에스코어 드림 4 Regular" panose="020B0503030302020204" pitchFamily="34" charset="-127"/>
-            </a:endParaRPr>
-          </a:p>
-          <a:p>
-            <a:r>
-              <a:rPr lang="en-US" altLang="ko-KR" sz="1400" dirty="0" err="1" smtClean="0">
-                <a:latin typeface="에스코어 드림 4 Regular" panose="020B0503030302020204" pitchFamily="34" charset="-127"/>
-                <a:ea typeface="에스코어 드림 4 Regular" panose="020B0503030302020204" pitchFamily="34" charset="-127"/>
-              </a:rPr>
-              <a:t>Ip</a:t>
-            </a:r>
-            <a:r>
-              <a:rPr lang="en-US" altLang="ko-KR" sz="1400" dirty="0" smtClean="0">
-                <a:latin typeface="에스코어 드림 4 Regular" panose="020B0503030302020204" pitchFamily="34" charset="-127"/>
-                <a:ea typeface="에스코어 드림 4 Regular" panose="020B0503030302020204" pitchFamily="34" charset="-127"/>
-              </a:rPr>
-              <a:t> </a:t>
-            </a:r>
-            <a:r>
-              <a:rPr lang="ko-KR" altLang="en-US" sz="1400" dirty="0" smtClean="0">
-                <a:latin typeface="에스코어 드림 4 Regular" panose="020B0503030302020204" pitchFamily="34" charset="-127"/>
-                <a:ea typeface="에스코어 드림 4 Regular" panose="020B0503030302020204" pitchFamily="34" charset="-127"/>
-              </a:rPr>
-              <a:t>확인 방법 </a:t>
-            </a:r>
-            <a:r>
-              <a:rPr lang="en-US" altLang="ko-KR" sz="1400" dirty="0" smtClean="0">
-                <a:latin typeface="에스코어 드림 4 Regular" panose="020B0503030302020204" pitchFamily="34" charset="-127"/>
-                <a:ea typeface="에스코어 드림 4 Regular" panose="020B0503030302020204" pitchFamily="34" charset="-127"/>
-              </a:rPr>
-              <a:t>: </a:t>
-            </a:r>
-          </a:p>
-          <a:p>
-            <a:r>
-              <a:rPr lang="en-US" altLang="ko-KR" sz="1400" dirty="0" err="1" smtClean="0">
-                <a:latin typeface="에스코어 드림 4 Regular" panose="020B0503030302020204" pitchFamily="34" charset="-127"/>
-                <a:ea typeface="에스코어 드림 4 Regular" panose="020B0503030302020204" pitchFamily="34" charset="-127"/>
-              </a:rPr>
-              <a:t>nslookup</a:t>
-            </a:r>
-            <a:r>
-              <a:rPr lang="en-US" altLang="ko-KR" sz="1400" dirty="0" smtClean="0">
-                <a:latin typeface="에스코어 드림 4 Regular" panose="020B0503030302020204" pitchFamily="34" charset="-127"/>
-                <a:ea typeface="에스코어 드림 4 Regular" panose="020B0503030302020204" pitchFamily="34" charset="-127"/>
-              </a:rPr>
-              <a:t> </a:t>
-            </a:r>
-            <a:r>
-              <a:rPr lang="en-US" altLang="ko-KR" sz="1400" dirty="0" smtClean="0">
-                <a:latin typeface="에스코어 드림 4 Regular" panose="020B0503030302020204" pitchFamily="34" charset="-127"/>
-                <a:ea typeface="에스코어 드림 4 Regular" panose="020B0503030302020204" pitchFamily="34" charset="-127"/>
-                <a:hlinkClick r:id="rId4"/>
-              </a:rPr>
-              <a:t>www.naver.com</a:t>
-            </a:r>
-            <a:endParaRPr lang="en-US" altLang="ko-KR" sz="1400" dirty="0" smtClean="0">
-              <a:latin typeface="에스코어 드림 4 Regular" panose="020B0503030302020204" pitchFamily="34" charset="-127"/>
-              <a:ea typeface="에스코어 드림 4 Regular" panose="020B0503030302020204" pitchFamily="34" charset="-127"/>
-            </a:endParaRPr>
-          </a:p>
-          <a:p>
-            <a:endParaRPr lang="en-US" altLang="ko-KR" sz="1400" dirty="0" smtClean="0">
-              <a:latin typeface="에스코어 드림 4 Regular" panose="020B0503030302020204" pitchFamily="34" charset="-127"/>
-              <a:ea typeface="에스코어 드림 4 Regular" panose="020B0503030302020204" pitchFamily="34" charset="-127"/>
-            </a:endParaRPr>
-          </a:p>
-          <a:p>
-            <a:r>
-              <a:rPr lang="en-US" altLang="ko-KR" sz="1400" dirty="0" smtClean="0">
-                <a:latin typeface="에스코어 드림 4 Regular" panose="020B0503030302020204" pitchFamily="34" charset="-127"/>
-                <a:ea typeface="에스코어 드림 4 Regular" panose="020B0503030302020204" pitchFamily="34" charset="-127"/>
-                <a:hlinkClick r:id="rId5"/>
-              </a:rPr>
-              <a:t>https://www.naver.com</a:t>
-            </a:r>
-            <a:endParaRPr lang="en-US" altLang="ko-KR" sz="1400" dirty="0" smtClean="0">
-              <a:latin typeface="에스코어 드림 4 Regular" panose="020B0503030302020204" pitchFamily="34" charset="-127"/>
-              <a:ea typeface="에스코어 드림 4 Regular" panose="020B0503030302020204" pitchFamily="34" charset="-127"/>
-            </a:endParaRPr>
-          </a:p>
-          <a:p>
             <a:endParaRPr lang="en-US" altLang="ko-KR" sz="1400" dirty="0">
               <a:latin typeface="에스코어 드림 4 Regular" panose="020B0503030302020204" pitchFamily="34" charset="-127"/>
               <a:ea typeface="에스코어 드림 4 Regular" panose="020B0503030302020204" pitchFamily="34" charset="-127"/>
@@ -4341,93 +4208,230 @@
           </a:p>
           <a:p>
             <a:r>
-              <a:rPr lang="ko-KR" altLang="en-US" sz="1400" dirty="0" smtClean="0">
-                <a:latin typeface="에스코어 드림 4 Regular" panose="020B0503030302020204" pitchFamily="34" charset="-127"/>
-                <a:ea typeface="에스코어 드림 4 Regular" panose="020B0503030302020204" pitchFamily="34" charset="-127"/>
-              </a:rPr>
-              <a:t>기본적으로 포트를 따로 설정하는게 아니라면</a:t>
-            </a:r>
-            <a:endParaRPr lang="en-US" altLang="ko-KR" sz="1400" dirty="0" smtClean="0">
-              <a:latin typeface="에스코어 드림 4 Regular" panose="020B0503030302020204" pitchFamily="34" charset="-127"/>
-              <a:ea typeface="에스코어 드림 4 Regular" panose="020B0503030302020204" pitchFamily="34" charset="-127"/>
-            </a:endParaRPr>
-          </a:p>
-          <a:p>
-            <a:r>
-              <a:rPr lang="ko-KR" altLang="en-US" sz="1400" dirty="0" err="1" smtClean="0">
-                <a:latin typeface="에스코어 드림 4 Regular" panose="020B0503030302020204" pitchFamily="34" charset="-127"/>
-                <a:ea typeface="에스코어 드림 4 Regular" panose="020B0503030302020204" pitchFamily="34" charset="-127"/>
-              </a:rPr>
-              <a:t>통신규약에</a:t>
-            </a:r>
-            <a:r>
-              <a:rPr lang="ko-KR" altLang="en-US" sz="1400" dirty="0" smtClean="0">
+              <a:rPr lang="en-US" altLang="ko-KR" sz="1400" dirty="0">
                 <a:latin typeface="에스코어 드림 4 Regular" panose="020B0503030302020204" pitchFamily="34" charset="-127"/>
                 <a:ea typeface="에스코어 드림 4 Regular" panose="020B0503030302020204" pitchFamily="34" charset="-127"/>
               </a:rPr>
               <a:t> </a:t>
             </a:r>
-            <a:r>
-              <a:rPr lang="en-US" altLang="ko-KR" sz="1400" dirty="0" smtClean="0">
-                <a:latin typeface="에스코어 드림 4 Regular" panose="020B0503030302020204" pitchFamily="34" charset="-127"/>
-                <a:ea typeface="에스코어 드림 4 Regular" panose="020B0503030302020204" pitchFamily="34" charset="-127"/>
-              </a:rPr>
-              <a:t>default </a:t>
-            </a:r>
-            <a:r>
-              <a:rPr lang="ko-KR" altLang="en-US" sz="1400" dirty="0" smtClean="0">
-                <a:latin typeface="에스코어 드림 4 Regular" panose="020B0503030302020204" pitchFamily="34" charset="-127"/>
-                <a:ea typeface="에스코어 드림 4 Regular" panose="020B0503030302020204" pitchFamily="34" charset="-127"/>
-              </a:rPr>
-              <a:t>포트가 있습니다</a:t>
-            </a:r>
-            <a:endParaRPr lang="en-US" altLang="ko-KR" sz="1400" dirty="0" smtClean="0">
-              <a:latin typeface="에스코어 드림 4 Regular" panose="020B0503030302020204" pitchFamily="34" charset="-127"/>
-              <a:ea typeface="에스코어 드림 4 Regular" panose="020B0503030302020204" pitchFamily="34" charset="-127"/>
-            </a:endParaRPr>
-          </a:p>
-          <a:p>
+          </a:p>
+          <a:p>
+            <a:r>
+              <a:rPr lang="en-US" altLang="ko-KR" sz="1400" dirty="0" err="1">
+                <a:latin typeface="에스코어 드림 4 Regular" panose="020B0503030302020204" pitchFamily="34" charset="-127"/>
+                <a:ea typeface="에스코어 드림 4 Regular" panose="020B0503030302020204" pitchFamily="34" charset="-127"/>
+              </a:rPr>
+              <a:t>Ip</a:t>
+            </a:r>
+            <a:r>
+              <a:rPr lang="en-US" altLang="ko-KR" sz="1400" dirty="0">
+                <a:latin typeface="에스코어 드림 4 Regular" panose="020B0503030302020204" pitchFamily="34" charset="-127"/>
+                <a:ea typeface="에스코어 드림 4 Regular" panose="020B0503030302020204" pitchFamily="34" charset="-127"/>
+              </a:rPr>
+              <a:t> </a:t>
+            </a:r>
+            <a:r>
+              <a:rPr lang="ko-KR" altLang="en-US" sz="1400" dirty="0">
+                <a:latin typeface="에스코어 드림 4 Regular" panose="020B0503030302020204" pitchFamily="34" charset="-127"/>
+                <a:ea typeface="에스코어 드림 4 Regular" panose="020B0503030302020204" pitchFamily="34" charset="-127"/>
+              </a:rPr>
+              <a:t>확인 방법 </a:t>
+            </a:r>
+            <a:r>
+              <a:rPr lang="en-US" altLang="ko-KR" sz="1400" dirty="0">
+                <a:latin typeface="에스코어 드림 4 Regular" panose="020B0503030302020204" pitchFamily="34" charset="-127"/>
+                <a:ea typeface="에스코어 드림 4 Regular" panose="020B0503030302020204" pitchFamily="34" charset="-127"/>
+              </a:rPr>
+              <a:t>: </a:t>
+            </a:r>
+          </a:p>
+          <a:p>
+            <a:r>
+              <a:rPr lang="en-US" altLang="ko-KR" sz="1400" dirty="0" err="1">
+                <a:latin typeface="에스코어 드림 4 Regular" panose="020B0503030302020204" pitchFamily="34" charset="-127"/>
+                <a:ea typeface="에스코어 드림 4 Regular" panose="020B0503030302020204" pitchFamily="34" charset="-127"/>
+              </a:rPr>
+              <a:t>nslookup</a:t>
+            </a:r>
+            <a:r>
+              <a:rPr lang="en-US" altLang="ko-KR" sz="1400" dirty="0">
+                <a:latin typeface="에스코어 드림 4 Regular" panose="020B0503030302020204" pitchFamily="34" charset="-127"/>
+                <a:ea typeface="에스코어 드림 4 Regular" panose="020B0503030302020204" pitchFamily="34" charset="-127"/>
+              </a:rPr>
+              <a:t> </a:t>
+            </a:r>
+            <a:r>
+              <a:rPr lang="en-US" altLang="ko-KR" sz="1400" dirty="0">
+                <a:latin typeface="에스코어 드림 4 Regular" panose="020B0503030302020204" pitchFamily="34" charset="-127"/>
+                <a:ea typeface="에스코어 드림 4 Regular" panose="020B0503030302020204" pitchFamily="34" charset="-127"/>
+                <a:hlinkClick r:id="rId4"/>
+              </a:rPr>
+              <a:t>www.naver.com</a:t>
+            </a:r>
             <a:endParaRPr lang="en-US" altLang="ko-KR" sz="1400" dirty="0">
               <a:latin typeface="에스코어 드림 4 Regular" panose="020B0503030302020204" pitchFamily="34" charset="-127"/>
               <a:ea typeface="에스코어 드림 4 Regular" panose="020B0503030302020204" pitchFamily="34" charset="-127"/>
             </a:endParaRPr>
           </a:p>
           <a:p>
-            <a:r>
-              <a:rPr lang="en-US" altLang="ko-KR" sz="1400" dirty="0" smtClean="0">
-                <a:latin typeface="에스코어 드림 4 Regular" panose="020B0503030302020204" pitchFamily="34" charset="-127"/>
-                <a:ea typeface="에스코어 드림 4 Regular" panose="020B0503030302020204" pitchFamily="34" charset="-127"/>
-              </a:rPr>
-              <a:t>http: 80 </a:t>
-            </a:r>
-            <a:r>
-              <a:rPr lang="ko-KR" altLang="en-US" sz="1400" dirty="0" smtClean="0">
-                <a:latin typeface="에스코어 드림 4 Regular" panose="020B0503030302020204" pitchFamily="34" charset="-127"/>
-                <a:ea typeface="에스코어 드림 4 Regular" panose="020B0503030302020204" pitchFamily="34" charset="-127"/>
-              </a:rPr>
-              <a:t>포트</a:t>
-            </a:r>
-            <a:endParaRPr lang="en-US" altLang="ko-KR" sz="1400" dirty="0" smtClean="0">
+            <a:endParaRPr lang="en-US" altLang="ko-KR" sz="1400" dirty="0">
               <a:latin typeface="에스코어 드림 4 Regular" panose="020B0503030302020204" pitchFamily="34" charset="-127"/>
               <a:ea typeface="에스코어 드림 4 Regular" panose="020B0503030302020204" pitchFamily="34" charset="-127"/>
             </a:endParaRPr>
           </a:p>
           <a:p>
             <a:r>
-              <a:rPr lang="en-US" altLang="ko-KR" sz="1400" dirty="0" smtClean="0">
+              <a:rPr lang="en-US" altLang="ko-KR" sz="1400" dirty="0">
+                <a:latin typeface="에스코어 드림 4 Regular" panose="020B0503030302020204" pitchFamily="34" charset="-127"/>
+                <a:ea typeface="에스코어 드림 4 Regular" panose="020B0503030302020204" pitchFamily="34" charset="-127"/>
+                <a:hlinkClick r:id="rId5"/>
+              </a:rPr>
+              <a:t>https://www.naver.com</a:t>
+            </a:r>
+            <a:endParaRPr lang="en-US" altLang="ko-KR" sz="1400" dirty="0">
+              <a:latin typeface="에스코어 드림 4 Regular" panose="020B0503030302020204" pitchFamily="34" charset="-127"/>
+              <a:ea typeface="에스코어 드림 4 Regular" panose="020B0503030302020204" pitchFamily="34" charset="-127"/>
+            </a:endParaRPr>
+          </a:p>
+          <a:p>
+            <a:endParaRPr lang="en-US" altLang="ko-KR" sz="1400" dirty="0">
+              <a:latin typeface="에스코어 드림 4 Regular" panose="020B0503030302020204" pitchFamily="34" charset="-127"/>
+              <a:ea typeface="에스코어 드림 4 Regular" panose="020B0503030302020204" pitchFamily="34" charset="-127"/>
+            </a:endParaRPr>
+          </a:p>
+          <a:p>
+            <a:r>
+              <a:rPr lang="ko-KR" altLang="en-US" sz="1400" dirty="0">
+                <a:latin typeface="에스코어 드림 4 Regular" panose="020B0503030302020204" pitchFamily="34" charset="-127"/>
+                <a:ea typeface="에스코어 드림 4 Regular" panose="020B0503030302020204" pitchFamily="34" charset="-127"/>
+              </a:rPr>
+              <a:t>기본적으로 포트를 따로 설정하는게 아니라면</a:t>
+            </a:r>
+            <a:endParaRPr lang="en-US" altLang="ko-KR" sz="1400" dirty="0">
+              <a:latin typeface="에스코어 드림 4 Regular" panose="020B0503030302020204" pitchFamily="34" charset="-127"/>
+              <a:ea typeface="에스코어 드림 4 Regular" panose="020B0503030302020204" pitchFamily="34" charset="-127"/>
+            </a:endParaRPr>
+          </a:p>
+          <a:p>
+            <a:r>
+              <a:rPr lang="ko-KR" altLang="en-US" sz="1400" dirty="0" err="1">
+                <a:latin typeface="에스코어 드림 4 Regular" panose="020B0503030302020204" pitchFamily="34" charset="-127"/>
+                <a:ea typeface="에스코어 드림 4 Regular" panose="020B0503030302020204" pitchFamily="34" charset="-127"/>
+              </a:rPr>
+              <a:t>통신규약에</a:t>
+            </a:r>
+            <a:r>
+              <a:rPr lang="ko-KR" altLang="en-US" sz="1400" dirty="0">
+                <a:latin typeface="에스코어 드림 4 Regular" panose="020B0503030302020204" pitchFamily="34" charset="-127"/>
+                <a:ea typeface="에스코어 드림 4 Regular" panose="020B0503030302020204" pitchFamily="34" charset="-127"/>
+              </a:rPr>
+              <a:t> </a:t>
+            </a:r>
+            <a:r>
+              <a:rPr lang="en-US" altLang="ko-KR" sz="1400" dirty="0">
+                <a:latin typeface="에스코어 드림 4 Regular" panose="020B0503030302020204" pitchFamily="34" charset="-127"/>
+                <a:ea typeface="에스코어 드림 4 Regular" panose="020B0503030302020204" pitchFamily="34" charset="-127"/>
+              </a:rPr>
+              <a:t>default </a:t>
+            </a:r>
+            <a:r>
+              <a:rPr lang="ko-KR" altLang="en-US" sz="1400" dirty="0">
+                <a:latin typeface="에스코어 드림 4 Regular" panose="020B0503030302020204" pitchFamily="34" charset="-127"/>
+                <a:ea typeface="에스코어 드림 4 Regular" panose="020B0503030302020204" pitchFamily="34" charset="-127"/>
+              </a:rPr>
+              <a:t>포트가 있습니다</a:t>
+            </a:r>
+            <a:r>
+              <a:rPr lang="en-US" altLang="ko-KR" sz="1400" dirty="0">
+                <a:latin typeface="에스코어 드림 4 Regular" panose="020B0503030302020204" pitchFamily="34" charset="-127"/>
+                <a:ea typeface="에스코어 드림 4 Regular" panose="020B0503030302020204" pitchFamily="34" charset="-127"/>
+              </a:rPr>
+              <a:t>.</a:t>
+            </a:r>
+            <a:r>
+              <a:rPr lang="ko-KR" altLang="en-US" sz="1400" dirty="0">
+                <a:latin typeface="에스코어 드림 4 Regular" panose="020B0503030302020204" pitchFamily="34" charset="-127"/>
+                <a:ea typeface="에스코어 드림 4 Regular" panose="020B0503030302020204" pitchFamily="34" charset="-127"/>
+              </a:rPr>
+              <a:t> </a:t>
+            </a:r>
+            <a:endParaRPr lang="en-US" altLang="ko-KR" sz="1400" dirty="0">
+              <a:latin typeface="에스코어 드림 4 Regular" panose="020B0503030302020204" pitchFamily="34" charset="-127"/>
+              <a:ea typeface="에스코어 드림 4 Regular" panose="020B0503030302020204" pitchFamily="34" charset="-127"/>
+            </a:endParaRPr>
+          </a:p>
+          <a:p>
+            <a:r>
+              <a:rPr lang="ko-KR" altLang="en-US" sz="1400" dirty="0">
+                <a:latin typeface="에스코어 드림 4 Regular" panose="020B0503030302020204" pitchFamily="34" charset="-127"/>
+                <a:ea typeface="에스코어 드림 4 Regular" panose="020B0503030302020204" pitchFamily="34" charset="-127"/>
+              </a:rPr>
+              <a:t>그래서 </a:t>
+            </a:r>
+            <a:r>
+              <a:rPr lang="en-US" altLang="ko-KR" sz="1400" dirty="0">
+                <a:latin typeface="에스코어 드림 4 Regular" panose="020B0503030302020204" pitchFamily="34" charset="-127"/>
+                <a:ea typeface="에스코어 드림 4 Regular" panose="020B0503030302020204" pitchFamily="34" charset="-127"/>
+              </a:rPr>
+              <a:t>:Port</a:t>
+            </a:r>
+            <a:r>
+              <a:rPr lang="ko-KR" altLang="en-US" sz="1400" dirty="0">
+                <a:latin typeface="에스코어 드림 4 Regular" panose="020B0503030302020204" pitchFamily="34" charset="-127"/>
+                <a:ea typeface="에스코어 드림 4 Regular" panose="020B0503030302020204" pitchFamily="34" charset="-127"/>
+              </a:rPr>
+              <a:t>는 생략되어 있습니다</a:t>
+            </a:r>
+            <a:r>
+              <a:rPr lang="en-US" altLang="ko-KR" sz="1400" dirty="0">
+                <a:latin typeface="에스코어 드림 4 Regular" panose="020B0503030302020204" pitchFamily="34" charset="-127"/>
+                <a:ea typeface="에스코어 드림 4 Regular" panose="020B0503030302020204" pitchFamily="34" charset="-127"/>
+              </a:rPr>
+              <a:t>.</a:t>
+            </a:r>
+          </a:p>
+          <a:p>
+            <a:endParaRPr lang="en-US" altLang="ko-KR" sz="1400" dirty="0">
+              <a:latin typeface="에스코어 드림 4 Regular" panose="020B0503030302020204" pitchFamily="34" charset="-127"/>
+              <a:ea typeface="에스코어 드림 4 Regular" panose="020B0503030302020204" pitchFamily="34" charset="-127"/>
+            </a:endParaRPr>
+          </a:p>
+          <a:p>
+            <a:r>
+              <a:rPr lang="en-US" altLang="ko-KR" sz="1400" dirty="0">
+                <a:latin typeface="에스코어 드림 4 Regular" panose="020B0503030302020204" pitchFamily="34" charset="-127"/>
+                <a:ea typeface="에스코어 드림 4 Regular" panose="020B0503030302020204" pitchFamily="34" charset="-127"/>
+              </a:rPr>
+              <a:t>http: 80 </a:t>
+            </a:r>
+            <a:r>
+              <a:rPr lang="ko-KR" altLang="en-US" sz="1400" dirty="0">
+                <a:latin typeface="에스코어 드림 4 Regular" panose="020B0503030302020204" pitchFamily="34" charset="-127"/>
+                <a:ea typeface="에스코어 드림 4 Regular" panose="020B0503030302020204" pitchFamily="34" charset="-127"/>
+              </a:rPr>
+              <a:t>포트</a:t>
+            </a:r>
+            <a:endParaRPr lang="en-US" altLang="ko-KR" sz="1400" dirty="0">
+              <a:latin typeface="에스코어 드림 4 Regular" panose="020B0503030302020204" pitchFamily="34" charset="-127"/>
+              <a:ea typeface="에스코어 드림 4 Regular" panose="020B0503030302020204" pitchFamily="34" charset="-127"/>
+            </a:endParaRPr>
+          </a:p>
+          <a:p>
+            <a:r>
+              <a:rPr lang="en-US" altLang="ko-KR" sz="1400" dirty="0">
                 <a:latin typeface="에스코어 드림 4 Regular" panose="020B0503030302020204" pitchFamily="34" charset="-127"/>
                 <a:ea typeface="에스코어 드림 4 Regular" panose="020B0503030302020204" pitchFamily="34" charset="-127"/>
               </a:rPr>
               <a:t>https: 443 </a:t>
             </a:r>
             <a:r>
-              <a:rPr lang="ko-KR" altLang="en-US" sz="1400" dirty="0" smtClean="0">
+              <a:rPr lang="ko-KR" altLang="en-US" sz="1400" dirty="0">
                 <a:latin typeface="에스코어 드림 4 Regular" panose="020B0503030302020204" pitchFamily="34" charset="-127"/>
                 <a:ea typeface="에스코어 드림 4 Regular" panose="020B0503030302020204" pitchFamily="34" charset="-127"/>
               </a:rPr>
               <a:t>포트</a:t>
             </a:r>
-            <a:endParaRPr lang="en-US" altLang="ko-KR" sz="1400" dirty="0" smtClean="0">
+            <a:endParaRPr lang="en-US" altLang="ko-KR" sz="1400" dirty="0">
               <a:latin typeface="에스코어 드림 4 Regular" panose="020B0503030302020204" pitchFamily="34" charset="-127"/>
               <a:ea typeface="에스코어 드림 4 Regular" panose="020B0503030302020204" pitchFamily="34" charset="-127"/>
             </a:endParaRPr>
@@ -4486,26 +4490,26 @@
           <a:lstStyle/>
           <a:p>
             <a:r>
-              <a:rPr lang="fr-FR" altLang="ko-KR" dirty="0" smtClean="0">
+              <a:rPr lang="fr-FR" altLang="ko-KR" dirty="0">
                 <a:latin typeface="에스코어 드림 4 Regular" panose="020B0503030302020204" pitchFamily="34" charset="-127"/>
                 <a:ea typeface="에스코어 드림 4 Regular" panose="020B0503030302020204" pitchFamily="34" charset="-127"/>
                 <a:hlinkClick r:id="rId2"/>
               </a:rPr>
               <a:t>http://localhost:5123/swagger/index.html</a:t>
             </a:r>
-            <a:endParaRPr lang="fr-FR" altLang="ko-KR" dirty="0" smtClean="0">
-              <a:latin typeface="에스코어 드림 4 Regular" panose="020B0503030302020204" pitchFamily="34" charset="-127"/>
-              <a:ea typeface="에스코어 드림 4 Regular" panose="020B0503030302020204" pitchFamily="34" charset="-127"/>
-            </a:endParaRPr>
-          </a:p>
-          <a:p>
             <a:endParaRPr lang="fr-FR" altLang="ko-KR" dirty="0">
               <a:latin typeface="에스코어 드림 4 Regular" panose="020B0503030302020204" pitchFamily="34" charset="-127"/>
               <a:ea typeface="에스코어 드림 4 Regular" panose="020B0503030302020204" pitchFamily="34" charset="-127"/>
             </a:endParaRPr>
           </a:p>
           <a:p>
-            <a:endParaRPr lang="en-US" altLang="ko-KR" dirty="0" smtClean="0">
+            <a:endParaRPr lang="fr-FR" altLang="ko-KR" dirty="0">
+              <a:latin typeface="에스코어 드림 4 Regular" panose="020B0503030302020204" pitchFamily="34" charset="-127"/>
+              <a:ea typeface="에스코어 드림 4 Regular" panose="020B0503030302020204" pitchFamily="34" charset="-127"/>
+            </a:endParaRPr>
+          </a:p>
+          <a:p>
+            <a:endParaRPr lang="en-US" altLang="ko-KR" dirty="0">
               <a:latin typeface="에스코어 드림 4 Regular" panose="020B0503030302020204" pitchFamily="34" charset="-127"/>
               <a:ea typeface="에스코어 드림 4 Regular" panose="020B0503030302020204" pitchFamily="34" charset="-127"/>
             </a:endParaRPr>
@@ -4534,163 +4538,64 @@
           <a:lstStyle/>
           <a:p>
             <a:r>
-              <a:rPr lang="ko-KR" altLang="en-US" dirty="0" smtClean="0">
+              <a:rPr lang="ko-KR" altLang="en-US" dirty="0">
                 <a:latin typeface="에스코어 드림 4 Regular" panose="020B0503030302020204" pitchFamily="34" charset="-127"/>
                 <a:ea typeface="에스코어 드림 4 Regular" panose="020B0503030302020204" pitchFamily="34" charset="-127"/>
               </a:rPr>
               <a:t>통신규약</a:t>
             </a:r>
             <a:r>
-              <a:rPr lang="en-US" altLang="ko-KR" dirty="0" smtClean="0">
+              <a:rPr lang="en-US" altLang="ko-KR" dirty="0">
                 <a:latin typeface="에스코어 드림 4 Regular" panose="020B0503030302020204" pitchFamily="34" charset="-127"/>
                 <a:ea typeface="에스코어 드림 4 Regular" panose="020B0503030302020204" pitchFamily="34" charset="-127"/>
               </a:rPr>
               <a:t>://</a:t>
             </a:r>
             <a:r>
-              <a:rPr lang="en-US" altLang="ko-KR" dirty="0" err="1" smtClean="0">
+              <a:rPr lang="en-US" altLang="ko-KR" dirty="0" err="1">
                 <a:latin typeface="에스코어 드림 4 Regular" panose="020B0503030302020204" pitchFamily="34" charset="-127"/>
                 <a:ea typeface="에스코어 드림 4 Regular" panose="020B0503030302020204" pitchFamily="34" charset="-127"/>
               </a:rPr>
               <a:t>IP:Port</a:t>
             </a:r>
-            <a:endParaRPr lang="en-US" altLang="ko-KR" dirty="0" smtClean="0">
-              <a:latin typeface="에스코어 드림 4 Regular" panose="020B0503030302020204" pitchFamily="34" charset="-127"/>
-              <a:ea typeface="에스코어 드림 4 Regular" panose="020B0503030302020204" pitchFamily="34" charset="-127"/>
-            </a:endParaRPr>
-          </a:p>
-          <a:p>
             <a:endParaRPr lang="en-US" altLang="ko-KR" dirty="0">
               <a:latin typeface="에스코어 드림 4 Regular" panose="020B0503030302020204" pitchFamily="34" charset="-127"/>
               <a:ea typeface="에스코어 드림 4 Regular" panose="020B0503030302020204" pitchFamily="34" charset="-127"/>
             </a:endParaRPr>
           </a:p>
           <a:p>
-            <a:endParaRPr lang="en-US" altLang="ko-KR" dirty="0" smtClean="0">
-              <a:latin typeface="에스코어 드림 4 Regular" panose="020B0503030302020204" pitchFamily="34" charset="-127"/>
-              <a:ea typeface="에스코어 드림 4 Regular" panose="020B0503030302020204" pitchFamily="34" charset="-127"/>
-            </a:endParaRPr>
-          </a:p>
-          <a:p>
-            <a:r>
-              <a:rPr lang="en-US" altLang="ko-KR" dirty="0" smtClean="0">
-                <a:latin typeface="에스코어 드림 4 Regular" panose="020B0503030302020204" pitchFamily="34" charset="-127"/>
-                <a:ea typeface="에스코어 드림 4 Regular" panose="020B0503030302020204" pitchFamily="34" charset="-127"/>
-              </a:rPr>
-              <a:t>http </a:t>
-            </a:r>
-            <a:r>
-              <a:rPr lang="ko-KR" altLang="en-US" dirty="0" smtClean="0">
-                <a:latin typeface="에스코어 드림 4 Regular" panose="020B0503030302020204" pitchFamily="34" charset="-127"/>
-                <a:ea typeface="에스코어 드림 4 Regular" panose="020B0503030302020204" pitchFamily="34" charset="-127"/>
-              </a:rPr>
-              <a:t>를 사용</a:t>
-            </a:r>
-            <a:r>
-              <a:rPr lang="en-US" altLang="ko-KR" dirty="0" smtClean="0">
-                <a:latin typeface="에스코어 드림 4 Regular" panose="020B0503030302020204" pitchFamily="34" charset="-127"/>
-                <a:ea typeface="에스코어 드림 4 Regular" panose="020B0503030302020204" pitchFamily="34" charset="-127"/>
-              </a:rPr>
-              <a:t>.</a:t>
-            </a:r>
-          </a:p>
-          <a:p>
             <a:endParaRPr lang="en-US" altLang="ko-KR" dirty="0">
               <a:latin typeface="에스코어 드림 4 Regular" panose="020B0503030302020204" pitchFamily="34" charset="-127"/>
               <a:ea typeface="에스코어 드림 4 Regular" panose="020B0503030302020204" pitchFamily="34" charset="-127"/>
             </a:endParaRPr>
           </a:p>
           <a:p>
-            <a:r>
-              <a:rPr lang="en-US" altLang="ko-KR" dirty="0" smtClean="0">
-                <a:latin typeface="에스코어 드림 4 Regular" panose="020B0503030302020204" pitchFamily="34" charset="-127"/>
-                <a:ea typeface="에스코어 드림 4 Regular" panose="020B0503030302020204" pitchFamily="34" charset="-127"/>
-              </a:rPr>
-              <a:t>IP : localhost</a:t>
-            </a:r>
-            <a:r>
-              <a:rPr lang="en-US" altLang="ko-KR" dirty="0">
-                <a:latin typeface="에스코어 드림 4 Regular" panose="020B0503030302020204" pitchFamily="34" charset="-127"/>
-                <a:ea typeface="에스코어 드림 4 Regular" panose="020B0503030302020204" pitchFamily="34" charset="-127"/>
-              </a:rPr>
-              <a:t> </a:t>
-            </a:r>
-            <a:r>
-              <a:rPr lang="en-US" altLang="ko-KR" dirty="0" smtClean="0">
-                <a:latin typeface="에스코어 드림 4 Regular" panose="020B0503030302020204" pitchFamily="34" charset="-127"/>
-                <a:ea typeface="에스코어 드림 4 Regular" panose="020B0503030302020204" pitchFamily="34" charset="-127"/>
-              </a:rPr>
-              <a:t>(</a:t>
-            </a:r>
-            <a:r>
-              <a:rPr lang="ko-KR" altLang="en-US" dirty="0" smtClean="0">
-                <a:latin typeface="에스코어 드림 4 Regular" panose="020B0503030302020204" pitchFamily="34" charset="-127"/>
-                <a:ea typeface="에스코어 드림 4 Regular" panose="020B0503030302020204" pitchFamily="34" charset="-127"/>
-              </a:rPr>
-              <a:t>단순하게 내 </a:t>
-            </a:r>
-            <a:r>
-              <a:rPr lang="en-US" altLang="ko-KR" dirty="0" smtClean="0">
-                <a:latin typeface="에스코어 드림 4 Regular" panose="020B0503030302020204" pitchFamily="34" charset="-127"/>
-                <a:ea typeface="에스코어 드림 4 Regular" panose="020B0503030302020204" pitchFamily="34" charset="-127"/>
-              </a:rPr>
-              <a:t>PC IP)</a:t>
-            </a:r>
-          </a:p>
-          <a:p>
-            <a:endParaRPr lang="en-US" altLang="ko-KR" dirty="0" smtClean="0">
-              <a:latin typeface="에스코어 드림 4 Regular" panose="020B0503030302020204" pitchFamily="34" charset="-127"/>
-              <a:ea typeface="에스코어 드림 4 Regular" panose="020B0503030302020204" pitchFamily="34" charset="-127"/>
-            </a:endParaRPr>
-          </a:p>
-          <a:p>
-            <a:r>
-              <a:rPr lang="en-US" altLang="ko-KR" dirty="0" smtClean="0">
-                <a:latin typeface="에스코어 드림 4 Regular" panose="020B0503030302020204" pitchFamily="34" charset="-127"/>
-                <a:ea typeface="에스코어 드림 4 Regular" panose="020B0503030302020204" pitchFamily="34" charset="-127"/>
-                <a:hlinkClick r:id="rId3"/>
-              </a:rPr>
-              <a:t>www.naver.com</a:t>
-            </a:r>
-            <a:r>
-              <a:rPr lang="en-US" altLang="ko-KR" dirty="0" smtClean="0">
-                <a:latin typeface="에스코어 드림 4 Regular" panose="020B0503030302020204" pitchFamily="34" charset="-127"/>
-                <a:ea typeface="에스코어 드림 4 Regular" panose="020B0503030302020204" pitchFamily="34" charset="-127"/>
-              </a:rPr>
-              <a:t> =&gt; </a:t>
-            </a:r>
-          </a:p>
-          <a:p>
             <a:endParaRPr lang="en-US" altLang="ko-KR" dirty="0">
               <a:latin typeface="에스코어 드림 4 Regular" panose="020B0503030302020204" pitchFamily="34" charset="-127"/>
               <a:ea typeface="에스코어 드림 4 Regular" panose="020B0503030302020204" pitchFamily="34" charset="-127"/>
             </a:endParaRPr>
           </a:p>
           <a:p>
-            <a:endParaRPr lang="en-US" altLang="ko-KR" dirty="0" smtClean="0">
-              <a:latin typeface="에스코어 드림 4 Regular" panose="020B0503030302020204" pitchFamily="34" charset="-127"/>
-              <a:ea typeface="에스코어 드림 4 Regular" panose="020B0503030302020204" pitchFamily="34" charset="-127"/>
-            </a:endParaRPr>
-          </a:p>
-          <a:p>
-            <a:endParaRPr lang="en-US" altLang="ko-KR" dirty="0" smtClean="0">
-              <a:latin typeface="에스코어 드림 4 Regular" panose="020B0503030302020204" pitchFamily="34" charset="-127"/>
-              <a:ea typeface="에스코어 드림 4 Regular" panose="020B0503030302020204" pitchFamily="34" charset="-127"/>
-            </a:endParaRPr>
-          </a:p>
-          <a:p>
-            <a:endParaRPr lang="en-US" altLang="ko-KR" dirty="0" smtClean="0">
-              <a:latin typeface="에스코어 드림 4 Regular" panose="020B0503030302020204" pitchFamily="34" charset="-127"/>
-              <a:ea typeface="에스코어 드림 4 Regular" panose="020B0503030302020204" pitchFamily="34" charset="-127"/>
-            </a:endParaRPr>
-          </a:p>
-          <a:p>
-            <a:r>
-              <a:rPr lang="en-US" altLang="ko-KR" sz="1400" dirty="0" smtClean="0">
-                <a:latin typeface="에스코어 드림 4 Regular" panose="020B0503030302020204" pitchFamily="34" charset="-127"/>
-                <a:ea typeface="에스코어 드림 4 Regular" panose="020B0503030302020204" pitchFamily="34" charset="-127"/>
-              </a:rPr>
-              <a:t>C:/Windows/System32/drivers/etc/hosts</a:t>
+            <a:r>
+              <a:rPr lang="en-US" altLang="ko-KR" dirty="0">
+                <a:latin typeface="에스코어 드림 4 Regular" panose="020B0503030302020204" pitchFamily="34" charset="-127"/>
+                <a:ea typeface="에스코어 드림 4 Regular" panose="020B0503030302020204" pitchFamily="34" charset="-127"/>
+              </a:rPr>
+              <a:t>http </a:t>
+            </a:r>
+            <a:r>
+              <a:rPr lang="ko-KR" altLang="en-US" dirty="0">
+                <a:latin typeface="에스코어 드림 4 Regular" panose="020B0503030302020204" pitchFamily="34" charset="-127"/>
+                <a:ea typeface="에스코어 드림 4 Regular" panose="020B0503030302020204" pitchFamily="34" charset="-127"/>
+              </a:rPr>
+              <a:t>를 사용</a:t>
+            </a:r>
+            <a:r>
+              <a:rPr lang="en-US" altLang="ko-KR" dirty="0">
+                <a:latin typeface="에스코어 드림 4 Regular" panose="020B0503030302020204" pitchFamily="34" charset="-127"/>
+                <a:ea typeface="에스코어 드림 4 Regular" panose="020B0503030302020204" pitchFamily="34" charset="-127"/>
+              </a:rPr>
+              <a:t>.</a:t>
             </a:r>
           </a:p>
           <a:p>
@@ -4701,7 +4606,92 @@
           </a:p>
           <a:p>
             <a:r>
-              <a:rPr lang="en-US" altLang="ko-KR" dirty="0" smtClean="0">
+              <a:rPr lang="en-US" altLang="ko-KR" dirty="0">
+                <a:latin typeface="에스코어 드림 4 Regular" panose="020B0503030302020204" pitchFamily="34" charset="-127"/>
+                <a:ea typeface="에스코어 드림 4 Regular" panose="020B0503030302020204" pitchFamily="34" charset="-127"/>
+              </a:rPr>
+              <a:t>IP : localhost (</a:t>
+            </a:r>
+            <a:r>
+              <a:rPr lang="ko-KR" altLang="en-US" dirty="0">
+                <a:latin typeface="에스코어 드림 4 Regular" panose="020B0503030302020204" pitchFamily="34" charset="-127"/>
+                <a:ea typeface="에스코어 드림 4 Regular" panose="020B0503030302020204" pitchFamily="34" charset="-127"/>
+              </a:rPr>
+              <a:t>단순하게 내 </a:t>
+            </a:r>
+            <a:r>
+              <a:rPr lang="en-US" altLang="ko-KR" dirty="0">
+                <a:latin typeface="에스코어 드림 4 Regular" panose="020B0503030302020204" pitchFamily="34" charset="-127"/>
+                <a:ea typeface="에스코어 드림 4 Regular" panose="020B0503030302020204" pitchFamily="34" charset="-127"/>
+              </a:rPr>
+              <a:t>PC IP)</a:t>
+            </a:r>
+          </a:p>
+          <a:p>
+            <a:endParaRPr lang="en-US" altLang="ko-KR" dirty="0">
+              <a:latin typeface="에스코어 드림 4 Regular" panose="020B0503030302020204" pitchFamily="34" charset="-127"/>
+              <a:ea typeface="에스코어 드림 4 Regular" panose="020B0503030302020204" pitchFamily="34" charset="-127"/>
+            </a:endParaRPr>
+          </a:p>
+          <a:p>
+            <a:r>
+              <a:rPr lang="en-US" altLang="ko-KR" dirty="0">
+                <a:latin typeface="에스코어 드림 4 Regular" panose="020B0503030302020204" pitchFamily="34" charset="-127"/>
+                <a:ea typeface="에스코어 드림 4 Regular" panose="020B0503030302020204" pitchFamily="34" charset="-127"/>
+                <a:hlinkClick r:id="rId3"/>
+              </a:rPr>
+              <a:t>www.naver.com</a:t>
+            </a:r>
+            <a:r>
+              <a:rPr lang="en-US" altLang="ko-KR" dirty="0">
+                <a:latin typeface="에스코어 드림 4 Regular" panose="020B0503030302020204" pitchFamily="34" charset="-127"/>
+                <a:ea typeface="에스코어 드림 4 Regular" panose="020B0503030302020204" pitchFamily="34" charset="-127"/>
+              </a:rPr>
+              <a:t> =&gt; </a:t>
+            </a:r>
+          </a:p>
+          <a:p>
+            <a:endParaRPr lang="en-US" altLang="ko-KR" dirty="0">
+              <a:latin typeface="에스코어 드림 4 Regular" panose="020B0503030302020204" pitchFamily="34" charset="-127"/>
+              <a:ea typeface="에스코어 드림 4 Regular" panose="020B0503030302020204" pitchFamily="34" charset="-127"/>
+            </a:endParaRPr>
+          </a:p>
+          <a:p>
+            <a:endParaRPr lang="en-US" altLang="ko-KR" dirty="0">
+              <a:latin typeface="에스코어 드림 4 Regular" panose="020B0503030302020204" pitchFamily="34" charset="-127"/>
+              <a:ea typeface="에스코어 드림 4 Regular" panose="020B0503030302020204" pitchFamily="34" charset="-127"/>
+            </a:endParaRPr>
+          </a:p>
+          <a:p>
+            <a:endParaRPr lang="en-US" altLang="ko-KR" dirty="0">
+              <a:latin typeface="에스코어 드림 4 Regular" panose="020B0503030302020204" pitchFamily="34" charset="-127"/>
+              <a:ea typeface="에스코어 드림 4 Regular" panose="020B0503030302020204" pitchFamily="34" charset="-127"/>
+            </a:endParaRPr>
+          </a:p>
+          <a:p>
+            <a:endParaRPr lang="en-US" altLang="ko-KR" dirty="0">
+              <a:latin typeface="에스코어 드림 4 Regular" panose="020B0503030302020204" pitchFamily="34" charset="-127"/>
+              <a:ea typeface="에스코어 드림 4 Regular" panose="020B0503030302020204" pitchFamily="34" charset="-127"/>
+            </a:endParaRPr>
+          </a:p>
+          <a:p>
+            <a:r>
+              <a:rPr lang="en-US" altLang="ko-KR" sz="1400" dirty="0">
+                <a:latin typeface="에스코어 드림 4 Regular" panose="020B0503030302020204" pitchFamily="34" charset="-127"/>
+                <a:ea typeface="에스코어 드림 4 Regular" panose="020B0503030302020204" pitchFamily="34" charset="-127"/>
+              </a:rPr>
+              <a:t>C:/Windows/System32/drivers/etc/hosts</a:t>
+            </a:r>
+          </a:p>
+          <a:p>
+            <a:endParaRPr lang="en-US" altLang="ko-KR" dirty="0">
+              <a:latin typeface="에스코어 드림 4 Regular" panose="020B0503030302020204" pitchFamily="34" charset="-127"/>
+              <a:ea typeface="에스코어 드림 4 Regular" panose="020B0503030302020204" pitchFamily="34" charset="-127"/>
+            </a:endParaRPr>
+          </a:p>
+          <a:p>
+            <a:r>
+              <a:rPr lang="en-US" altLang="ko-KR" dirty="0">
                 <a:latin typeface="에스코어 드림 4 Regular" panose="020B0503030302020204" pitchFamily="34" charset="-127"/>
                 <a:ea typeface="에스코어 드림 4 Regular" panose="020B0503030302020204" pitchFamily="34" charset="-127"/>
               </a:rPr>
@@ -4710,7 +4700,7 @@
           </a:p>
           <a:p>
             <a:r>
-              <a:rPr lang="en-US" altLang="ko-KR" dirty="0" smtClean="0">
+              <a:rPr lang="en-US" altLang="ko-KR" dirty="0">
                 <a:latin typeface="에스코어 드림 4 Regular" panose="020B0503030302020204" pitchFamily="34" charset="-127"/>
                 <a:ea typeface="에스코어 드림 4 Regular" panose="020B0503030302020204" pitchFamily="34" charset="-127"/>
               </a:rPr>
@@ -4741,14 +4731,14 @@
           <a:lstStyle/>
           <a:p>
             <a:r>
-              <a:rPr lang="fr-FR" altLang="ko-KR" dirty="0" smtClean="0">
+              <a:rPr lang="fr-FR" altLang="ko-KR" dirty="0">
                 <a:latin typeface="에스코어 드림 4 Regular" panose="020B0503030302020204" pitchFamily="34" charset="-127"/>
                 <a:ea typeface="에스코어 드림 4 Regular" panose="020B0503030302020204" pitchFamily="34" charset="-127"/>
                 <a:hlinkClick r:id="rId2"/>
               </a:rPr>
               <a:t>swagger/index.html</a:t>
             </a:r>
-            <a:endParaRPr lang="fr-FR" altLang="ko-KR" dirty="0" smtClean="0">
+            <a:endParaRPr lang="fr-FR" altLang="ko-KR" dirty="0">
               <a:latin typeface="에스코어 드림 4 Regular" panose="020B0503030302020204" pitchFamily="34" charset="-127"/>
               <a:ea typeface="에스코어 드림 4 Regular" panose="020B0503030302020204" pitchFamily="34" charset="-127"/>
             </a:endParaRPr>
@@ -4762,7 +4752,7 @@
               <a:t> </a:t>
             </a:r>
             <a:r>
-              <a:rPr lang="fr-FR" altLang="ko-KR" dirty="0" smtClean="0">
+              <a:rPr lang="fr-FR" altLang="ko-KR" dirty="0">
                 <a:latin typeface="에스코어 드림 4 Regular" panose="020B0503030302020204" pitchFamily="34" charset="-127"/>
                 <a:ea typeface="에스코어 드림 4 Regular" panose="020B0503030302020204" pitchFamily="34" charset="-127"/>
                 <a:sym typeface="Wingdings" panose="05000000000000000000" pitchFamily="2" charset="2"/>
@@ -4770,7 +4760,7 @@
               <a:t> </a:t>
             </a:r>
             <a:r>
-              <a:rPr lang="en-US" altLang="ko-KR" dirty="0" err="1" smtClean="0">
+              <a:rPr lang="en-US" altLang="ko-KR" dirty="0" err="1">
                 <a:latin typeface="에스코어 드림 4 Regular" panose="020B0503030302020204" pitchFamily="34" charset="-127"/>
                 <a:ea typeface="에스코어 드림 4 Regular" panose="020B0503030302020204" pitchFamily="34" charset="-127"/>
                 <a:sym typeface="Wingdings" panose="05000000000000000000" pitchFamily="2" charset="2"/>
@@ -4778,7 +4768,7 @@
               <a:t>OpenAPI</a:t>
             </a:r>
             <a:r>
-              <a:rPr lang="en-US" altLang="ko-KR" dirty="0" smtClean="0">
+              <a:rPr lang="en-US" altLang="ko-KR" dirty="0">
                 <a:latin typeface="에스코어 드림 4 Regular" panose="020B0503030302020204" pitchFamily="34" charset="-127"/>
                 <a:ea typeface="에스코어 드림 4 Regular" panose="020B0503030302020204" pitchFamily="34" charset="-127"/>
                 <a:sym typeface="Wingdings" panose="05000000000000000000" pitchFamily="2" charset="2"/>
@@ -4786,62 +4776,13 @@
               <a:t> </a:t>
             </a:r>
             <a:r>
-              <a:rPr lang="ko-KR" altLang="en-US" dirty="0" smtClean="0">
+              <a:rPr lang="ko-KR" altLang="en-US" dirty="0">
                 <a:latin typeface="에스코어 드림 4 Regular" panose="020B0503030302020204" pitchFamily="34" charset="-127"/>
                 <a:ea typeface="에스코어 드림 4 Regular" panose="020B0503030302020204" pitchFamily="34" charset="-127"/>
                 <a:sym typeface="Wingdings" panose="05000000000000000000" pitchFamily="2" charset="2"/>
               </a:rPr>
               <a:t>라고 </a:t>
             </a:r>
-            <a:endParaRPr lang="en-US" altLang="ko-KR" dirty="0" smtClean="0">
-              <a:latin typeface="에스코어 드림 4 Regular" panose="020B0503030302020204" pitchFamily="34" charset="-127"/>
-              <a:ea typeface="에스코어 드림 4 Regular" panose="020B0503030302020204" pitchFamily="34" charset="-127"/>
-              <a:sym typeface="Wingdings" panose="05000000000000000000" pitchFamily="2" charset="2"/>
-            </a:endParaRPr>
-          </a:p>
-          <a:p>
-            <a:r>
-              <a:rPr lang="ko-KR" altLang="en-US" dirty="0" smtClean="0">
-                <a:latin typeface="에스코어 드림 4 Regular" panose="020B0503030302020204" pitchFamily="34" charset="-127"/>
-                <a:ea typeface="에스코어 드림 4 Regular" panose="020B0503030302020204" pitchFamily="34" charset="-127"/>
-                <a:sym typeface="Wingdings" panose="05000000000000000000" pitchFamily="2" charset="2"/>
-              </a:rPr>
-              <a:t>시각적으로 </a:t>
-            </a:r>
-            <a:r>
-              <a:rPr lang="en-US" altLang="ko-KR" dirty="0" smtClean="0">
-                <a:latin typeface="에스코어 드림 4 Regular" panose="020B0503030302020204" pitchFamily="34" charset="-127"/>
-                <a:ea typeface="에스코어 드림 4 Regular" panose="020B0503030302020204" pitchFamily="34" charset="-127"/>
-                <a:sym typeface="Wingdings" panose="05000000000000000000" pitchFamily="2" charset="2"/>
-              </a:rPr>
-              <a:t>API</a:t>
-            </a:r>
-            <a:r>
-              <a:rPr lang="ko-KR" altLang="en-US" dirty="0" smtClean="0">
-                <a:latin typeface="에스코어 드림 4 Regular" panose="020B0503030302020204" pitchFamily="34" charset="-127"/>
-                <a:ea typeface="에스코어 드림 4 Regular" panose="020B0503030302020204" pitchFamily="34" charset="-127"/>
-                <a:sym typeface="Wingdings" panose="05000000000000000000" pitchFamily="2" charset="2"/>
-              </a:rPr>
-              <a:t>를 테스트 해볼 수 있는 </a:t>
-            </a:r>
-            <a:r>
-              <a:rPr lang="ko-KR" altLang="en-US" dirty="0" smtClean="0">
-                <a:latin typeface="에스코어 드림 4 Regular" panose="020B0503030302020204" pitchFamily="34" charset="-127"/>
-                <a:ea typeface="에스코어 드림 4 Regular" panose="020B0503030302020204" pitchFamily="34" charset="-127"/>
-                <a:sym typeface="Wingdings" panose="05000000000000000000" pitchFamily="2" charset="2"/>
-              </a:rPr>
-              <a:t>라이브러리</a:t>
-            </a:r>
-            <a:r>
-              <a:rPr lang="en-US" altLang="ko-KR" dirty="0" smtClean="0">
-                <a:latin typeface="에스코어 드림 4 Regular" panose="020B0503030302020204" pitchFamily="34" charset="-127"/>
-                <a:ea typeface="에스코어 드림 4 Regular" panose="020B0503030302020204" pitchFamily="34" charset="-127"/>
-                <a:sym typeface="Wingdings" panose="05000000000000000000" pitchFamily="2" charset="2"/>
-              </a:rPr>
-              <a:t>.</a:t>
-            </a:r>
-          </a:p>
-          <a:p>
             <a:endParaRPr lang="en-US" altLang="ko-KR" dirty="0">
               <a:latin typeface="에스코어 드림 4 Regular" panose="020B0503030302020204" pitchFamily="34" charset="-127"/>
               <a:ea typeface="에스코어 드림 4 Regular" panose="020B0503030302020204" pitchFamily="34" charset="-127"/>
@@ -4850,15 +4791,56 @@
           </a:p>
           <a:p>
             <a:r>
-              <a:rPr lang="ko-KR" altLang="en-US" dirty="0" smtClean="0">
+              <a:rPr lang="ko-KR" altLang="en-US" dirty="0">
                 <a:latin typeface="에스코어 드림 4 Regular" panose="020B0503030302020204" pitchFamily="34" charset="-127"/>
                 <a:ea typeface="에스코어 드림 4 Regular" panose="020B0503030302020204" pitchFamily="34" charset="-127"/>
                 <a:sym typeface="Wingdings" panose="05000000000000000000" pitchFamily="2" charset="2"/>
               </a:rPr>
+              <a:t>시각적으로 </a:t>
+            </a:r>
+            <a:r>
+              <a:rPr lang="en-US" altLang="ko-KR" dirty="0">
+                <a:latin typeface="에스코어 드림 4 Regular" panose="020B0503030302020204" pitchFamily="34" charset="-127"/>
+                <a:ea typeface="에스코어 드림 4 Regular" panose="020B0503030302020204" pitchFamily="34" charset="-127"/>
+                <a:sym typeface="Wingdings" panose="05000000000000000000" pitchFamily="2" charset="2"/>
+              </a:rPr>
+              <a:t>API</a:t>
+            </a:r>
+            <a:r>
+              <a:rPr lang="ko-KR" altLang="en-US" dirty="0">
+                <a:latin typeface="에스코어 드림 4 Regular" panose="020B0503030302020204" pitchFamily="34" charset="-127"/>
+                <a:ea typeface="에스코어 드림 4 Regular" panose="020B0503030302020204" pitchFamily="34" charset="-127"/>
+                <a:sym typeface="Wingdings" panose="05000000000000000000" pitchFamily="2" charset="2"/>
+              </a:rPr>
+              <a:t>를 테스트 해볼 수 있는 라이브러리</a:t>
+            </a:r>
+            <a:r>
+              <a:rPr lang="en-US" altLang="ko-KR" dirty="0">
+                <a:latin typeface="에스코어 드림 4 Regular" panose="020B0503030302020204" pitchFamily="34" charset="-127"/>
+                <a:ea typeface="에스코어 드림 4 Regular" panose="020B0503030302020204" pitchFamily="34" charset="-127"/>
+                <a:sym typeface="Wingdings" panose="05000000000000000000" pitchFamily="2" charset="2"/>
+              </a:rPr>
+              <a:t>.</a:t>
+            </a:r>
+          </a:p>
+          <a:p>
+            <a:endParaRPr lang="en-US" altLang="ko-KR" dirty="0">
+              <a:latin typeface="에스코어 드림 4 Regular" panose="020B0503030302020204" pitchFamily="34" charset="-127"/>
+              <a:ea typeface="에스코어 드림 4 Regular" panose="020B0503030302020204" pitchFamily="34" charset="-127"/>
+              <a:sym typeface="Wingdings" panose="05000000000000000000" pitchFamily="2" charset="2"/>
+            </a:endParaRPr>
+          </a:p>
+          <a:p>
+            <a:r>
+              <a:rPr lang="ko-KR" altLang="en-US" dirty="0">
+                <a:latin typeface="에스코어 드림 4 Regular" panose="020B0503030302020204" pitchFamily="34" charset="-127"/>
+                <a:ea typeface="에스코어 드림 4 Regular" panose="020B0503030302020204" pitchFamily="34" charset="-127"/>
+                <a:sym typeface="Wingdings" panose="05000000000000000000" pitchFamily="2" charset="2"/>
+              </a:rPr>
               <a:t>라이브러리가 만들어준 페이지 </a:t>
             </a:r>
             <a:r>
-              <a:rPr lang="en-US" altLang="ko-KR" dirty="0" smtClean="0">
+              <a:rPr lang="en-US" altLang="ko-KR" dirty="0">
                 <a:latin typeface="에스코어 드림 4 Regular" panose="020B0503030302020204" pitchFamily="34" charset="-127"/>
                 <a:ea typeface="에스코어 드림 4 Regular" panose="020B0503030302020204" pitchFamily="34" charset="-127"/>
                 <a:sym typeface="Wingdings" panose="05000000000000000000" pitchFamily="2" charset="2"/>
@@ -4866,7 +4848,7 @@
               <a:t>(</a:t>
             </a:r>
             <a:r>
-              <a:rPr lang="ko-KR" altLang="en-US" dirty="0" smtClean="0">
+              <a:rPr lang="ko-KR" altLang="en-US" dirty="0">
                 <a:latin typeface="에스코어 드림 4 Regular" panose="020B0503030302020204" pitchFamily="34" charset="-127"/>
                 <a:ea typeface="에스코어 드림 4 Regular" panose="020B0503030302020204" pitchFamily="34" charset="-127"/>
                 <a:sym typeface="Wingdings" panose="05000000000000000000" pitchFamily="2" charset="2"/>
@@ -4874,7 +4856,7 @@
               <a:t>코드기반으로</a:t>
             </a:r>
             <a:r>
-              <a:rPr lang="en-US" altLang="ko-KR" dirty="0" smtClean="0">
+              <a:rPr lang="en-US" altLang="ko-KR" dirty="0">
                 <a:latin typeface="에스코어 드림 4 Regular" panose="020B0503030302020204" pitchFamily="34" charset="-127"/>
                 <a:ea typeface="에스코어 드림 4 Regular" panose="020B0503030302020204" pitchFamily="34" charset="-127"/>
                 <a:sym typeface="Wingdings" panose="05000000000000000000" pitchFamily="2" charset="2"/>
@@ -4912,41 +4894,41 @@
           <a:lstStyle/>
           <a:p>
             <a:r>
-              <a:rPr lang="ko-KR" altLang="en-US" sz="1400" dirty="0" smtClean="0">
+              <a:rPr lang="ko-KR" altLang="en-US" sz="1400" dirty="0">
                 <a:latin typeface="에스코어 드림 4 Regular" panose="020B0503030302020204" pitchFamily="34" charset="-127"/>
                 <a:ea typeface="에스코어 드림 4 Regular" panose="020B0503030302020204" pitchFamily="34" charset="-127"/>
                 <a:hlinkClick r:id="rId4"/>
               </a:rPr>
               <a:t>http://localhost:5123</a:t>
             </a:r>
-            <a:endParaRPr lang="en-US" altLang="ko-KR" sz="1400" dirty="0" smtClean="0">
-              <a:latin typeface="에스코어 드림 4 Regular" panose="020B0503030302020204" pitchFamily="34" charset="-127"/>
-              <a:ea typeface="에스코어 드림 4 Regular" panose="020B0503030302020204" pitchFamily="34" charset="-127"/>
-            </a:endParaRPr>
-          </a:p>
-          <a:p>
             <a:endParaRPr lang="en-US" altLang="ko-KR" sz="1400" dirty="0">
               <a:latin typeface="에스코어 드림 4 Regular" panose="020B0503030302020204" pitchFamily="34" charset="-127"/>
               <a:ea typeface="에스코어 드림 4 Regular" panose="020B0503030302020204" pitchFamily="34" charset="-127"/>
             </a:endParaRPr>
           </a:p>
           <a:p>
-            <a:r>
-              <a:rPr lang="en-US" altLang="ko-KR" sz="1400" dirty="0" smtClean="0">
+            <a:endParaRPr lang="en-US" altLang="ko-KR" sz="1400" dirty="0">
+              <a:latin typeface="에스코어 드림 4 Regular" panose="020B0503030302020204" pitchFamily="34" charset="-127"/>
+              <a:ea typeface="에스코어 드림 4 Regular" panose="020B0503030302020204" pitchFamily="34" charset="-127"/>
+            </a:endParaRPr>
+          </a:p>
+          <a:p>
+            <a:r>
+              <a:rPr lang="en-US" altLang="ko-KR" sz="1400" dirty="0">
                 <a:latin typeface="에스코어 드림 4 Regular" panose="020B0503030302020204" pitchFamily="34" charset="-127"/>
                 <a:ea typeface="에스코어 드림 4 Regular" panose="020B0503030302020204" pitchFamily="34" charset="-127"/>
               </a:rPr>
               <a:t> 80</a:t>
             </a:r>
             <a:r>
-              <a:rPr lang="ko-KR" altLang="en-US" sz="1400" dirty="0" smtClean="0">
+              <a:rPr lang="ko-KR" altLang="en-US" sz="1400" dirty="0">
                 <a:latin typeface="에스코어 드림 4 Regular" panose="020B0503030302020204" pitchFamily="34" charset="-127"/>
                 <a:ea typeface="에스코어 드림 4 Regular" panose="020B0503030302020204" pitchFamily="34" charset="-127"/>
               </a:rPr>
               <a:t>포트는 이미 다른 프로그램이 먹고있습니다</a:t>
             </a:r>
             <a:r>
-              <a:rPr lang="en-US" altLang="ko-KR" sz="1400" dirty="0" smtClean="0">
+              <a:rPr lang="en-US" altLang="ko-KR" sz="1400" dirty="0">
                 <a:latin typeface="에스코어 드림 4 Regular" panose="020B0503030302020204" pitchFamily="34" charset="-127"/>
                 <a:ea typeface="에스코어 드림 4 Regular" panose="020B0503030302020204" pitchFamily="34" charset="-127"/>
               </a:rPr>
